--- a/image/diagram.pptx
+++ b/image/diagram.pptx
@@ -6,12 +6,13 @@
   </p:sldMasterIdLst>
   <p:sldIdLst>
     <p:sldId id="257" r:id="rId2"/>
-    <p:sldId id="256" r:id="rId3"/>
-    <p:sldId id="258" r:id="rId4"/>
-    <p:sldId id="259" r:id="rId5"/>
-    <p:sldId id="261" r:id="rId6"/>
-    <p:sldId id="262" r:id="rId7"/>
-    <p:sldId id="264" r:id="rId8"/>
+    <p:sldId id="265" r:id="rId3"/>
+    <p:sldId id="256" r:id="rId4"/>
+    <p:sldId id="258" r:id="rId5"/>
+    <p:sldId id="259" r:id="rId6"/>
+    <p:sldId id="261" r:id="rId7"/>
+    <p:sldId id="262" r:id="rId8"/>
+    <p:sldId id="264" r:id="rId9"/>
   </p:sldIdLst>
   <p:sldSz cx="12192000" cy="6858000"/>
   <p:notesSz cx="6858000" cy="9144000"/>
@@ -4702,8 +4703,8 @@
           </a:fontRef>
         </p:style>
       </p:cxnSp>
-      <mc:AlternateContent xmlns:mc="http://schemas.openxmlformats.org/markup-compatibility/2006">
-        <mc:Choice xmlns:a14="http://schemas.microsoft.com/office/drawing/2010/main" Requires="a14">
+      <mc:AlternateContent xmlns:mc="http://schemas.openxmlformats.org/markup-compatibility/2006" xmlns:a14="http://schemas.microsoft.com/office/drawing/2010/main">
+        <mc:Choice Requires="a14">
           <p:sp>
             <p:nvSpPr>
               <p:cNvPr id="32" name="テキスト ボックス 31">
@@ -4732,6 +4733,7 @@
               </a:bodyPr>
               <a:lstStyle/>
               <a:p>
+                <a:pPr/>
                 <a14:m>
                   <m:oMathPara xmlns:m="http://schemas.openxmlformats.org/officeDocument/2006/math">
                     <m:oMathParaPr>
@@ -4771,7 +4773,7 @@
             </p:txBody>
           </p:sp>
         </mc:Choice>
-        <mc:Fallback>
+        <mc:Fallback xmlns="">
           <p:sp>
             <p:nvSpPr>
               <p:cNvPr id="32" name="テキスト ボックス 31">
@@ -4816,8 +4818,8 @@
           </p:sp>
         </mc:Fallback>
       </mc:AlternateContent>
-      <mc:AlternateContent xmlns:mc="http://schemas.openxmlformats.org/markup-compatibility/2006">
-        <mc:Choice xmlns:a14="http://schemas.microsoft.com/office/drawing/2010/main" Requires="a14">
+      <mc:AlternateContent xmlns:mc="http://schemas.openxmlformats.org/markup-compatibility/2006" xmlns:a14="http://schemas.microsoft.com/office/drawing/2010/main">
+        <mc:Choice Requires="a14">
           <p:sp>
             <p:nvSpPr>
               <p:cNvPr id="33" name="テキスト ボックス 32">
@@ -4846,6 +4848,7 @@
               </a:bodyPr>
               <a:lstStyle/>
               <a:p>
+                <a:pPr/>
                 <a14:m>
                   <m:oMathPara xmlns:m="http://schemas.openxmlformats.org/officeDocument/2006/math">
                     <m:oMathParaPr>
@@ -4885,7 +4888,7 @@
             </p:txBody>
           </p:sp>
         </mc:Choice>
-        <mc:Fallback>
+        <mc:Fallback xmlns="">
           <p:sp>
             <p:nvSpPr>
               <p:cNvPr id="33" name="テキスト ボックス 32">
@@ -5070,8 +5073,8 @@
           </a:fontRef>
         </p:style>
       </p:cxnSp>
-      <mc:AlternateContent xmlns:mc="http://schemas.openxmlformats.org/markup-compatibility/2006">
-        <mc:Choice xmlns:a14="http://schemas.microsoft.com/office/drawing/2010/main" Requires="a14">
+      <mc:AlternateContent xmlns:mc="http://schemas.openxmlformats.org/markup-compatibility/2006" xmlns:a14="http://schemas.microsoft.com/office/drawing/2010/main">
+        <mc:Choice Requires="a14">
           <p:sp>
             <p:nvSpPr>
               <p:cNvPr id="37" name="テキスト ボックス 36">
@@ -5100,6 +5103,7 @@
               </a:bodyPr>
               <a:lstStyle/>
               <a:p>
+                <a:pPr/>
                 <a14:m>
                   <m:oMathPara xmlns:m="http://schemas.openxmlformats.org/officeDocument/2006/math">
                     <m:oMathParaPr>
@@ -5120,7 +5124,7 @@
             </p:txBody>
           </p:sp>
         </mc:Choice>
-        <mc:Fallback>
+        <mc:Fallback xmlns="">
           <p:sp>
             <p:nvSpPr>
               <p:cNvPr id="37" name="テキスト ボックス 36">
@@ -5206,8 +5210,8 @@
           </a:fontRef>
         </p:style>
       </p:cxnSp>
-      <mc:AlternateContent xmlns:mc="http://schemas.openxmlformats.org/markup-compatibility/2006">
-        <mc:Choice xmlns:a14="http://schemas.microsoft.com/office/drawing/2010/main" Requires="a14">
+      <mc:AlternateContent xmlns:mc="http://schemas.openxmlformats.org/markup-compatibility/2006" xmlns:a14="http://schemas.microsoft.com/office/drawing/2010/main">
+        <mc:Choice Requires="a14">
           <p:sp>
             <p:nvSpPr>
               <p:cNvPr id="39" name="テキスト ボックス 38">
@@ -5236,6 +5240,7 @@
               </a:bodyPr>
               <a:lstStyle/>
               <a:p>
+                <a:pPr/>
                 <a14:m>
                   <m:oMathPara xmlns:m="http://schemas.openxmlformats.org/officeDocument/2006/math">
                     <m:oMathParaPr>
@@ -5275,7 +5280,7 @@
             </p:txBody>
           </p:sp>
         </mc:Choice>
-        <mc:Fallback>
+        <mc:Fallback xmlns="">
           <p:sp>
             <p:nvSpPr>
               <p:cNvPr id="39" name="テキスト ボックス 38">
@@ -5352,10 +5357,10 @@
       </p:grpSpPr>
       <p:sp>
         <p:nvSpPr>
-          <p:cNvPr id="4" name="三角形 3">
-            <a:extLst>
-              <a:ext uri="{FF2B5EF4-FFF2-40B4-BE49-F238E27FC236}">
-                <a16:creationId xmlns:a16="http://schemas.microsoft.com/office/drawing/2014/main" id="{D1DBD33E-D5A7-CA0A-C260-41A0EBCE277A}"/>
+          <p:cNvPr id="7" name="三角形 6">
+            <a:extLst>
+              <a:ext uri="{FF2B5EF4-FFF2-40B4-BE49-F238E27FC236}">
+                <a16:creationId xmlns:a16="http://schemas.microsoft.com/office/drawing/2014/main" id="{141D150A-0CBA-5D5E-DE3C-53E704D0DD26}"/>
               </a:ext>
             </a:extLst>
           </p:cNvPr>
@@ -5404,16 +5409,16 @@
       </p:sp>
       <p:cxnSp>
         <p:nvCxnSpPr>
-          <p:cNvPr id="6" name="直線コネクタ 5">
-            <a:extLst>
-              <a:ext uri="{FF2B5EF4-FFF2-40B4-BE49-F238E27FC236}">
-                <a16:creationId xmlns:a16="http://schemas.microsoft.com/office/drawing/2014/main" id="{F713976A-518C-F0BC-1ADD-279114B75E88}"/>
+          <p:cNvPr id="8" name="直線コネクタ 7">
+            <a:extLst>
+              <a:ext uri="{FF2B5EF4-FFF2-40B4-BE49-F238E27FC236}">
+                <a16:creationId xmlns:a16="http://schemas.microsoft.com/office/drawing/2014/main" id="{7697BD9C-4949-6408-287E-E573ECE0D343}"/>
               </a:ext>
             </a:extLst>
           </p:cNvPr>
           <p:cNvCxnSpPr>
             <a:cxnSpLocks/>
-            <a:endCxn id="37" idx="2"/>
+            <a:endCxn id="17" idx="2"/>
           </p:cNvCxnSpPr>
           <p:nvPr/>
         </p:nvCxnSpPr>
@@ -5444,10 +5449,10 @@
       </p:cxnSp>
       <p:cxnSp>
         <p:nvCxnSpPr>
-          <p:cNvPr id="8" name="直線コネクタ 7">
-            <a:extLst>
-              <a:ext uri="{FF2B5EF4-FFF2-40B4-BE49-F238E27FC236}">
-                <a16:creationId xmlns:a16="http://schemas.microsoft.com/office/drawing/2014/main" id="{64E1A22E-5912-40A4-3E48-E1A4D9640EAC}"/>
+          <p:cNvPr id="9" name="直線コネクタ 8">
+            <a:extLst>
+              <a:ext uri="{FF2B5EF4-FFF2-40B4-BE49-F238E27FC236}">
+                <a16:creationId xmlns:a16="http://schemas.microsoft.com/office/drawing/2014/main" id="{252D1605-3368-E62D-24F8-C3F780BF8E95}"/>
               </a:ext>
             </a:extLst>
           </p:cNvPr>
@@ -5458,8 +5463,8 @@
         </p:nvCxnSpPr>
         <p:spPr>
           <a:xfrm>
-            <a:off x="4257675" y="3134513"/>
-            <a:ext cx="1373103" cy="0"/>
+            <a:off x="3021496" y="3134513"/>
+            <a:ext cx="2609282" cy="0"/>
           </a:xfrm>
           <a:prstGeom prst="line">
             <a:avLst/>
@@ -5483,10 +5488,10 @@
       </p:cxnSp>
       <p:cxnSp>
         <p:nvCxnSpPr>
-          <p:cNvPr id="17" name="カギ線コネクタ 16">
-            <a:extLst>
-              <a:ext uri="{FF2B5EF4-FFF2-40B4-BE49-F238E27FC236}">
-                <a16:creationId xmlns:a16="http://schemas.microsoft.com/office/drawing/2014/main" id="{B25F2280-4EBD-06B2-BC0B-645121EC4BD2}"/>
+          <p:cNvPr id="10" name="カギ線コネクタ 9">
+            <a:extLst>
+              <a:ext uri="{FF2B5EF4-FFF2-40B4-BE49-F238E27FC236}">
+                <a16:creationId xmlns:a16="http://schemas.microsoft.com/office/drawing/2014/main" id="{FDFD444E-346D-D89B-0CDB-66D6EDA6B636}"/>
               </a:ext>
             </a:extLst>
           </p:cNvPr>
@@ -5524,10 +5529,10 @@
       </p:cxnSp>
       <p:cxnSp>
         <p:nvCxnSpPr>
-          <p:cNvPr id="26" name="直線コネクタ 25">
-            <a:extLst>
-              <a:ext uri="{FF2B5EF4-FFF2-40B4-BE49-F238E27FC236}">
-                <a16:creationId xmlns:a16="http://schemas.microsoft.com/office/drawing/2014/main" id="{9E468E5C-6C7A-A3C9-1EC0-D86C5487B136}"/>
+          <p:cNvPr id="11" name="直線コネクタ 10">
+            <a:extLst>
+              <a:ext uri="{FF2B5EF4-FFF2-40B4-BE49-F238E27FC236}">
+                <a16:creationId xmlns:a16="http://schemas.microsoft.com/office/drawing/2014/main" id="{532C118E-3B0D-BB29-04A9-B104F6EFE572}"/>
               </a:ext>
             </a:extLst>
           </p:cNvPr>
@@ -5563,10 +5568,10 @@
       </p:cxnSp>
       <p:cxnSp>
         <p:nvCxnSpPr>
-          <p:cNvPr id="28" name="直線コネクタ 27">
-            <a:extLst>
-              <a:ext uri="{FF2B5EF4-FFF2-40B4-BE49-F238E27FC236}">
-                <a16:creationId xmlns:a16="http://schemas.microsoft.com/office/drawing/2014/main" id="{85B9CF3E-A2B9-EFB5-EFB2-61CB59F95267}"/>
+          <p:cNvPr id="12" name="直線コネクタ 11">
+            <a:extLst>
+              <a:ext uri="{FF2B5EF4-FFF2-40B4-BE49-F238E27FC236}">
+                <a16:creationId xmlns:a16="http://schemas.microsoft.com/office/drawing/2014/main" id="{7B60900E-F863-84E5-D6C1-5C8372CAEB37}"/>
               </a:ext>
             </a:extLst>
           </p:cNvPr>
@@ -5602,10 +5607,10 @@
       </p:cxnSp>
       <p:cxnSp>
         <p:nvCxnSpPr>
-          <p:cNvPr id="30" name="直線コネクタ 29">
-            <a:extLst>
-              <a:ext uri="{FF2B5EF4-FFF2-40B4-BE49-F238E27FC236}">
-                <a16:creationId xmlns:a16="http://schemas.microsoft.com/office/drawing/2014/main" id="{D82358A0-8282-7211-2B33-1B769436A9E2}"/>
+          <p:cNvPr id="13" name="直線コネクタ 12">
+            <a:extLst>
+              <a:ext uri="{FF2B5EF4-FFF2-40B4-BE49-F238E27FC236}">
+                <a16:creationId xmlns:a16="http://schemas.microsoft.com/office/drawing/2014/main" id="{C06032BE-A2A0-E4D1-4CDE-822CC0ABDD38}"/>
               </a:ext>
             </a:extLst>
           </p:cNvPr>
@@ -5641,10 +5646,10 @@
       </p:cxnSp>
       <p:cxnSp>
         <p:nvCxnSpPr>
-          <p:cNvPr id="32" name="直線コネクタ 31">
-            <a:extLst>
-              <a:ext uri="{FF2B5EF4-FFF2-40B4-BE49-F238E27FC236}">
-                <a16:creationId xmlns:a16="http://schemas.microsoft.com/office/drawing/2014/main" id="{402483E0-F95B-C472-6CC0-C85C3CC426E4}"/>
+          <p:cNvPr id="14" name="直線コネクタ 13">
+            <a:extLst>
+              <a:ext uri="{FF2B5EF4-FFF2-40B4-BE49-F238E27FC236}">
+                <a16:creationId xmlns:a16="http://schemas.microsoft.com/office/drawing/2014/main" id="{32B8C8FB-AAA6-61CE-7133-17EB485A4290}"/>
               </a:ext>
             </a:extLst>
           </p:cNvPr>
@@ -5680,10 +5685,10 @@
       </p:cxnSp>
       <p:cxnSp>
         <p:nvCxnSpPr>
-          <p:cNvPr id="34" name="直線コネクタ 33">
-            <a:extLst>
-              <a:ext uri="{FF2B5EF4-FFF2-40B4-BE49-F238E27FC236}">
-                <a16:creationId xmlns:a16="http://schemas.microsoft.com/office/drawing/2014/main" id="{4A0C8A01-95F8-19F4-2AEE-6770DF3040D1}"/>
+          <p:cNvPr id="15" name="直線コネクタ 14">
+            <a:extLst>
+              <a:ext uri="{FF2B5EF4-FFF2-40B4-BE49-F238E27FC236}">
+                <a16:creationId xmlns:a16="http://schemas.microsoft.com/office/drawing/2014/main" id="{3EB1850C-8950-6016-3C49-D85D31753094}"/>
               </a:ext>
             </a:extLst>
           </p:cNvPr>
@@ -5719,10 +5724,10 @@
       </p:cxnSp>
       <p:cxnSp>
         <p:nvCxnSpPr>
-          <p:cNvPr id="35" name="直線コネクタ 34">
-            <a:extLst>
-              <a:ext uri="{FF2B5EF4-FFF2-40B4-BE49-F238E27FC236}">
-                <a16:creationId xmlns:a16="http://schemas.microsoft.com/office/drawing/2014/main" id="{17B5A78A-35F9-6AF1-3331-55A54971B341}"/>
+          <p:cNvPr id="16" name="直線コネクタ 15">
+            <a:extLst>
+              <a:ext uri="{FF2B5EF4-FFF2-40B4-BE49-F238E27FC236}">
+                <a16:creationId xmlns:a16="http://schemas.microsoft.com/office/drawing/2014/main" id="{8487648A-E0B6-CC4B-C082-23AC1B86F8C4}"/>
               </a:ext>
             </a:extLst>
           </p:cNvPr>
@@ -5758,10 +5763,10 @@
       </p:cxnSp>
       <p:sp>
         <p:nvSpPr>
-          <p:cNvPr id="37" name="円/楕円 36">
-            <a:extLst>
-              <a:ext uri="{FF2B5EF4-FFF2-40B4-BE49-F238E27FC236}">
-                <a16:creationId xmlns:a16="http://schemas.microsoft.com/office/drawing/2014/main" id="{DF9283E7-EE19-8A9A-3130-C07E52CD8A1F}"/>
+          <p:cNvPr id="17" name="円/楕円 16">
+            <a:extLst>
+              <a:ext uri="{FF2B5EF4-FFF2-40B4-BE49-F238E27FC236}">
+                <a16:creationId xmlns:a16="http://schemas.microsoft.com/office/drawing/2014/main" id="{27BD138A-3A1F-E449-0EE8-55734BF9E973}"/>
               </a:ext>
             </a:extLst>
           </p:cNvPr>
@@ -5810,10 +5815,10 @@
       </p:sp>
       <p:sp>
         <p:nvSpPr>
-          <p:cNvPr id="40" name="円/楕円 39">
-            <a:extLst>
-              <a:ext uri="{FF2B5EF4-FFF2-40B4-BE49-F238E27FC236}">
-                <a16:creationId xmlns:a16="http://schemas.microsoft.com/office/drawing/2014/main" id="{80995DAF-52EC-36D1-4AB2-72596B3BEDEE}"/>
+          <p:cNvPr id="18" name="円/楕円 17">
+            <a:extLst>
+              <a:ext uri="{FF2B5EF4-FFF2-40B4-BE49-F238E27FC236}">
+                <a16:creationId xmlns:a16="http://schemas.microsoft.com/office/drawing/2014/main" id="{89B8D844-51F9-1BAA-93B6-93E80C142B1F}"/>
               </a:ext>
             </a:extLst>
           </p:cNvPr>
@@ -5864,10 +5869,10 @@
       </p:sp>
       <p:cxnSp>
         <p:nvCxnSpPr>
-          <p:cNvPr id="41" name="直線コネクタ 40">
-            <a:extLst>
-              <a:ext uri="{FF2B5EF4-FFF2-40B4-BE49-F238E27FC236}">
-                <a16:creationId xmlns:a16="http://schemas.microsoft.com/office/drawing/2014/main" id="{63EF50E8-DFD4-F1B5-10EB-3DCAF636DE44}"/>
+          <p:cNvPr id="19" name="直線コネクタ 18">
+            <a:extLst>
+              <a:ext uri="{FF2B5EF4-FFF2-40B4-BE49-F238E27FC236}">
+                <a16:creationId xmlns:a16="http://schemas.microsoft.com/office/drawing/2014/main" id="{0299D36B-CC37-F8DD-0F6F-ACCC3DA94107}"/>
               </a:ext>
             </a:extLst>
           </p:cNvPr>
@@ -5903,10 +5908,10 @@
       </p:cxnSp>
       <p:cxnSp>
         <p:nvCxnSpPr>
-          <p:cNvPr id="42" name="直線コネクタ 41">
-            <a:extLst>
-              <a:ext uri="{FF2B5EF4-FFF2-40B4-BE49-F238E27FC236}">
-                <a16:creationId xmlns:a16="http://schemas.microsoft.com/office/drawing/2014/main" id="{62B9A9CC-A8E5-C843-1524-4096E93D8F93}"/>
+          <p:cNvPr id="20" name="直線コネクタ 19">
+            <a:extLst>
+              <a:ext uri="{FF2B5EF4-FFF2-40B4-BE49-F238E27FC236}">
+                <a16:creationId xmlns:a16="http://schemas.microsoft.com/office/drawing/2014/main" id="{92493AC1-8EA6-0827-5AD6-0A3A90B7DEDE}"/>
               </a:ext>
             </a:extLst>
           </p:cNvPr>
@@ -5942,10 +5947,10 @@
       </p:cxnSp>
       <p:cxnSp>
         <p:nvCxnSpPr>
-          <p:cNvPr id="43" name="直線コネクタ 42">
-            <a:extLst>
-              <a:ext uri="{FF2B5EF4-FFF2-40B4-BE49-F238E27FC236}">
-                <a16:creationId xmlns:a16="http://schemas.microsoft.com/office/drawing/2014/main" id="{682094E5-61FE-1CE7-8DC4-46E8E0FDB93D}"/>
+          <p:cNvPr id="21" name="直線コネクタ 20">
+            <a:extLst>
+              <a:ext uri="{FF2B5EF4-FFF2-40B4-BE49-F238E27FC236}">
+                <a16:creationId xmlns:a16="http://schemas.microsoft.com/office/drawing/2014/main" id="{5E811379-4A6A-E792-4AD4-FD00931CFC76}"/>
               </a:ext>
             </a:extLst>
           </p:cNvPr>
@@ -5981,10 +5986,10 @@
       </p:cxnSp>
       <p:cxnSp>
         <p:nvCxnSpPr>
-          <p:cNvPr id="45" name="直線矢印コネクタ 44">
-            <a:extLst>
-              <a:ext uri="{FF2B5EF4-FFF2-40B4-BE49-F238E27FC236}">
-                <a16:creationId xmlns:a16="http://schemas.microsoft.com/office/drawing/2014/main" id="{898FED7D-48DE-7E7D-7BD1-9AD1DEFE2C86}"/>
+          <p:cNvPr id="22" name="直線矢印コネクタ 21">
+            <a:extLst>
+              <a:ext uri="{FF2B5EF4-FFF2-40B4-BE49-F238E27FC236}">
+                <a16:creationId xmlns:a16="http://schemas.microsoft.com/office/drawing/2014/main" id="{9E312236-980C-ACBC-67B2-20E94425E0F2}"/>
               </a:ext>
             </a:extLst>
           </p:cNvPr>
@@ -6023,10 +6028,10 @@
       </p:cxnSp>
       <p:cxnSp>
         <p:nvCxnSpPr>
-          <p:cNvPr id="53" name="カギ線コネクタ 52">
-            <a:extLst>
-              <a:ext uri="{FF2B5EF4-FFF2-40B4-BE49-F238E27FC236}">
-                <a16:creationId xmlns:a16="http://schemas.microsoft.com/office/drawing/2014/main" id="{BDB0563C-CB71-EDD4-FA9C-0E260FB45673}"/>
+          <p:cNvPr id="23" name="カギ線コネクタ 22">
+            <a:extLst>
+              <a:ext uri="{FF2B5EF4-FFF2-40B4-BE49-F238E27FC236}">
+                <a16:creationId xmlns:a16="http://schemas.microsoft.com/office/drawing/2014/main" id="{B62C4BBC-C697-11E2-6FFB-B78C8B9B7E6E}"/>
               </a:ext>
             </a:extLst>
           </p:cNvPr>
@@ -6062,52 +6067,12 @@
           </a:fontRef>
         </p:style>
       </p:cxnSp>
-      <p:cxnSp>
-        <p:nvCxnSpPr>
-          <p:cNvPr id="60" name="カギ線コネクタ 59">
-            <a:extLst>
-              <a:ext uri="{FF2B5EF4-FFF2-40B4-BE49-F238E27FC236}">
-                <a16:creationId xmlns:a16="http://schemas.microsoft.com/office/drawing/2014/main" id="{86F7D0CE-5F84-F2E7-0AB1-15DD4267400B}"/>
-              </a:ext>
-            </a:extLst>
-          </p:cNvPr>
-          <p:cNvCxnSpPr>
-            <a:cxnSpLocks/>
-            <a:stCxn id="98" idx="3"/>
-          </p:cNvCxnSpPr>
-          <p:nvPr/>
-        </p:nvCxnSpPr>
-        <p:spPr>
-          <a:xfrm>
-            <a:off x="6513495" y="2138757"/>
-            <a:ext cx="731056" cy="1278817"/>
-          </a:xfrm>
-          <a:prstGeom prst="bentConnector2">
-            <a:avLst/>
-          </a:prstGeom>
-          <a:ln w="19050"/>
-        </p:spPr>
-        <p:style>
-          <a:lnRef idx="1">
-            <a:schemeClr val="dk1"/>
-          </a:lnRef>
-          <a:fillRef idx="0">
-            <a:schemeClr val="dk1"/>
-          </a:fillRef>
-          <a:effectRef idx="0">
-            <a:schemeClr val="dk1"/>
-          </a:effectRef>
-          <a:fontRef idx="minor">
-            <a:schemeClr val="tx1"/>
-          </a:fontRef>
-        </p:style>
-      </p:cxnSp>
       <p:sp>
         <p:nvSpPr>
-          <p:cNvPr id="65" name="円/楕円 64">
-            <a:extLst>
-              <a:ext uri="{FF2B5EF4-FFF2-40B4-BE49-F238E27FC236}">
-                <a16:creationId xmlns:a16="http://schemas.microsoft.com/office/drawing/2014/main" id="{88DFFDF9-EBE3-F281-903E-BB5BEC56D6B3}"/>
+          <p:cNvPr id="24" name="正方形/長方形 23">
+            <a:extLst>
+              <a:ext uri="{FF2B5EF4-FFF2-40B4-BE49-F238E27FC236}">
+                <a16:creationId xmlns:a16="http://schemas.microsoft.com/office/drawing/2014/main" id="{4D3C6BC1-5070-357E-895F-65E038FD08A7}"/>
               </a:ext>
             </a:extLst>
           </p:cNvPr>
@@ -6116,13 +6081,69 @@
         </p:nvSpPr>
         <p:spPr>
           <a:xfrm>
-            <a:off x="2887895" y="3063568"/>
-            <a:ext cx="141889" cy="141890"/>
-          </a:xfrm>
-          <a:prstGeom prst="ellipse">
-            <a:avLst/>
-          </a:prstGeom>
-          <a:noFill/>
+            <a:off x="3388345" y="2802329"/>
+            <a:ext cx="1101256" cy="664368"/>
+          </a:xfrm>
+          <a:prstGeom prst="rect">
+            <a:avLst/>
+          </a:prstGeom>
+          <a:solidFill>
+            <a:schemeClr val="bg1"/>
+          </a:solidFill>
+          <a:ln w="19050">
+            <a:solidFill>
+              <a:schemeClr val="tx1"/>
+            </a:solidFill>
+          </a:ln>
+        </p:spPr>
+        <p:style>
+          <a:lnRef idx="2">
+            <a:schemeClr val="accent1">
+              <a:shade val="50000"/>
+            </a:schemeClr>
+          </a:lnRef>
+          <a:fillRef idx="1">
+            <a:schemeClr val="accent1"/>
+          </a:fillRef>
+          <a:effectRef idx="0">
+            <a:schemeClr val="accent1"/>
+          </a:effectRef>
+          <a:fontRef idx="minor">
+            <a:schemeClr val="lt1"/>
+          </a:fontRef>
+        </p:style>
+        <p:txBody>
+          <a:bodyPr rtlCol="0" anchor="ctr"/>
+          <a:lstStyle/>
+          <a:p>
+            <a:pPr algn="ctr"/>
+            <a:endParaRPr kumimoji="1" lang="ja-JP" altLang="en-US"/>
+          </a:p>
+        </p:txBody>
+      </p:sp>
+      <p:sp>
+        <p:nvSpPr>
+          <p:cNvPr id="25" name="正方形/長方形 24">
+            <a:extLst>
+              <a:ext uri="{FF2B5EF4-FFF2-40B4-BE49-F238E27FC236}">
+                <a16:creationId xmlns:a16="http://schemas.microsoft.com/office/drawing/2014/main" id="{6496FA45-A432-514B-F2A7-E1887280F608}"/>
+              </a:ext>
+            </a:extLst>
+          </p:cNvPr>
+          <p:cNvSpPr/>
+          <p:nvPr/>
+        </p:nvSpPr>
+        <p:spPr>
+          <a:xfrm>
+            <a:off x="5630778" y="1786838"/>
+            <a:ext cx="1101256" cy="664368"/>
+          </a:xfrm>
+          <a:prstGeom prst="rect">
+            <a:avLst/>
+          </a:prstGeom>
+          <a:solidFill>
+            <a:schemeClr val="bg1"/>
+          </a:solidFill>
           <a:ln w="19050">
             <a:solidFill>
               <a:schemeClr val="tx1"/>
@@ -6156,10 +6177,102 @@
       </p:sp>
       <p:cxnSp>
         <p:nvCxnSpPr>
-          <p:cNvPr id="66" name="直線コネクタ 65">
-            <a:extLst>
-              <a:ext uri="{FF2B5EF4-FFF2-40B4-BE49-F238E27FC236}">
-                <a16:creationId xmlns:a16="http://schemas.microsoft.com/office/drawing/2014/main" id="{57B26E69-9C9D-51A0-1CF5-D72AD2D5C129}"/>
+          <p:cNvPr id="26" name="カギ線コネクタ 25">
+            <a:extLst>
+              <a:ext uri="{FF2B5EF4-FFF2-40B4-BE49-F238E27FC236}">
+                <a16:creationId xmlns:a16="http://schemas.microsoft.com/office/drawing/2014/main" id="{B3560044-7D5F-2920-9153-6A031FEF7FB6}"/>
+              </a:ext>
+            </a:extLst>
+          </p:cNvPr>
+          <p:cNvCxnSpPr>
+            <a:cxnSpLocks/>
+            <a:stCxn id="25" idx="3"/>
+          </p:cNvCxnSpPr>
+          <p:nvPr/>
+        </p:nvCxnSpPr>
+        <p:spPr>
+          <a:xfrm>
+            <a:off x="6732034" y="2119022"/>
+            <a:ext cx="512517" cy="1298552"/>
+          </a:xfrm>
+          <a:prstGeom prst="bentConnector2">
+            <a:avLst/>
+          </a:prstGeom>
+          <a:ln w="19050"/>
+        </p:spPr>
+        <p:style>
+          <a:lnRef idx="1">
+            <a:schemeClr val="dk1"/>
+          </a:lnRef>
+          <a:fillRef idx="0">
+            <a:schemeClr val="dk1"/>
+          </a:fillRef>
+          <a:effectRef idx="0">
+            <a:schemeClr val="dk1"/>
+          </a:effectRef>
+          <a:fontRef idx="minor">
+            <a:schemeClr val="tx1"/>
+          </a:fontRef>
+        </p:style>
+      </p:cxnSp>
+      <p:sp>
+        <p:nvSpPr>
+          <p:cNvPr id="27" name="円/楕円 26">
+            <a:extLst>
+              <a:ext uri="{FF2B5EF4-FFF2-40B4-BE49-F238E27FC236}">
+                <a16:creationId xmlns:a16="http://schemas.microsoft.com/office/drawing/2014/main" id="{365A27AD-435E-DC1C-35E1-12EF1292A672}"/>
+              </a:ext>
+            </a:extLst>
+          </p:cNvPr>
+          <p:cNvSpPr/>
+          <p:nvPr/>
+        </p:nvSpPr>
+        <p:spPr>
+          <a:xfrm>
+            <a:off x="2887895" y="3063568"/>
+            <a:ext cx="141889" cy="141890"/>
+          </a:xfrm>
+          <a:prstGeom prst="ellipse">
+            <a:avLst/>
+          </a:prstGeom>
+          <a:noFill/>
+          <a:ln w="19050">
+            <a:solidFill>
+              <a:schemeClr val="tx1"/>
+            </a:solidFill>
+          </a:ln>
+        </p:spPr>
+        <p:style>
+          <a:lnRef idx="2">
+            <a:schemeClr val="accent1">
+              <a:shade val="50000"/>
+            </a:schemeClr>
+          </a:lnRef>
+          <a:fillRef idx="1">
+            <a:schemeClr val="accent1"/>
+          </a:fillRef>
+          <a:effectRef idx="0">
+            <a:schemeClr val="accent1"/>
+          </a:effectRef>
+          <a:fontRef idx="minor">
+            <a:schemeClr val="lt1"/>
+          </a:fontRef>
+        </p:style>
+        <p:txBody>
+          <a:bodyPr rtlCol="0" anchor="ctr"/>
+          <a:lstStyle/>
+          <a:p>
+            <a:pPr algn="ctr"/>
+            <a:endParaRPr kumimoji="1" lang="ja-JP" altLang="en-US"/>
+          </a:p>
+        </p:txBody>
+      </p:sp>
+      <p:cxnSp>
+        <p:nvCxnSpPr>
+          <p:cNvPr id="28" name="直線コネクタ 27">
+            <a:extLst>
+              <a:ext uri="{FF2B5EF4-FFF2-40B4-BE49-F238E27FC236}">
+                <a16:creationId xmlns:a16="http://schemas.microsoft.com/office/drawing/2014/main" id="{073536C0-04A0-215E-EFAD-C100086B9819}"/>
               </a:ext>
             </a:extLst>
           </p:cNvPr>
@@ -6195,10 +6308,10 @@
       </p:cxnSp>
       <p:cxnSp>
         <p:nvCxnSpPr>
-          <p:cNvPr id="67" name="直線コネクタ 66">
-            <a:extLst>
-              <a:ext uri="{FF2B5EF4-FFF2-40B4-BE49-F238E27FC236}">
-                <a16:creationId xmlns:a16="http://schemas.microsoft.com/office/drawing/2014/main" id="{595C6935-BB2C-C683-5E37-A4DD4901111E}"/>
+          <p:cNvPr id="29" name="直線コネクタ 28">
+            <a:extLst>
+              <a:ext uri="{FF2B5EF4-FFF2-40B4-BE49-F238E27FC236}">
+                <a16:creationId xmlns:a16="http://schemas.microsoft.com/office/drawing/2014/main" id="{D25C0E59-1B80-4B9B-9154-772456770EB5}"/>
               </a:ext>
             </a:extLst>
           </p:cNvPr>
@@ -6234,10 +6347,10 @@
       </p:cxnSp>
       <p:cxnSp>
         <p:nvCxnSpPr>
-          <p:cNvPr id="68" name="直線コネクタ 67">
-            <a:extLst>
-              <a:ext uri="{FF2B5EF4-FFF2-40B4-BE49-F238E27FC236}">
-                <a16:creationId xmlns:a16="http://schemas.microsoft.com/office/drawing/2014/main" id="{C7CAE9F1-D766-B1D0-77FA-DAB3A48422CF}"/>
+          <p:cNvPr id="30" name="直線コネクタ 29">
+            <a:extLst>
+              <a:ext uri="{FF2B5EF4-FFF2-40B4-BE49-F238E27FC236}">
+                <a16:creationId xmlns:a16="http://schemas.microsoft.com/office/drawing/2014/main" id="{FB6CFB4A-269F-F9BF-EAE9-4427841AF6A5}"/>
               </a:ext>
             </a:extLst>
           </p:cNvPr>
@@ -6273,10 +6386,10 @@
       </p:cxnSp>
       <p:cxnSp>
         <p:nvCxnSpPr>
-          <p:cNvPr id="69" name="直線矢印コネクタ 68">
-            <a:extLst>
-              <a:ext uri="{FF2B5EF4-FFF2-40B4-BE49-F238E27FC236}">
-                <a16:creationId xmlns:a16="http://schemas.microsoft.com/office/drawing/2014/main" id="{92FABE7F-E870-CB41-720A-92519C34BF9B}"/>
+          <p:cNvPr id="31" name="直線矢印コネクタ 30">
+            <a:extLst>
+              <a:ext uri="{FF2B5EF4-FFF2-40B4-BE49-F238E27FC236}">
+                <a16:creationId xmlns:a16="http://schemas.microsoft.com/office/drawing/2014/main" id="{60852ABE-B106-E47D-D881-F8EDA9001C65}"/>
               </a:ext>
             </a:extLst>
           </p:cNvPr>
@@ -6313,14 +6426,14 @@
           </a:fontRef>
         </p:style>
       </p:cxnSp>
-      <mc:AlternateContent xmlns:mc="http://schemas.openxmlformats.org/markup-compatibility/2006">
-        <mc:Choice xmlns:a14="http://schemas.microsoft.com/office/drawing/2010/main" Requires="a14">
+      <mc:AlternateContent xmlns:mc="http://schemas.openxmlformats.org/markup-compatibility/2006" xmlns:a14="http://schemas.microsoft.com/office/drawing/2010/main">
+        <mc:Choice Requires="a14">
           <p:sp>
             <p:nvSpPr>
-              <p:cNvPr id="72" name="テキスト ボックス 71">
+              <p:cNvPr id="32" name="テキスト ボックス 31">
                 <a:extLst>
                   <a:ext uri="{FF2B5EF4-FFF2-40B4-BE49-F238E27FC236}">
-                    <a16:creationId xmlns:a16="http://schemas.microsoft.com/office/drawing/2014/main" id="{A1C255E3-ADE9-E8DD-3A3E-8923049E4381}"/>
+                    <a16:creationId xmlns:a16="http://schemas.microsoft.com/office/drawing/2014/main" id="{8AC6002C-5BF4-5B73-C50B-D0D45A5499E7}"/>
                   </a:ext>
                 </a:extLst>
               </p:cNvPr>
@@ -6343,6 +6456,7 @@
               </a:bodyPr>
               <a:lstStyle/>
               <a:p>
+                <a:pPr/>
                 <a14:m>
                   <m:oMathPara xmlns:m="http://schemas.openxmlformats.org/officeDocument/2006/math">
                     <m:oMathParaPr>
@@ -6382,7 +6496,1830 @@
             </p:txBody>
           </p:sp>
         </mc:Choice>
-        <mc:Fallback>
+        <mc:Fallback xmlns="">
+          <p:sp>
+            <p:nvSpPr>
+              <p:cNvPr id="32" name="テキスト ボックス 31">
+                <a:extLst>
+                  <a:ext uri="{FF2B5EF4-FFF2-40B4-BE49-F238E27FC236}">
+                    <a16:creationId xmlns:a16="http://schemas.microsoft.com/office/drawing/2014/main" id="{8AC6002C-5BF4-5B73-C50B-D0D45A5499E7}"/>
+                  </a:ext>
+                </a:extLst>
+              </p:cNvPr>
+              <p:cNvSpPr txBox="1">
+                <a:spLocks noRot="1" noChangeAspect="1" noMove="1" noResize="1" noEditPoints="1" noAdjustHandles="1" noChangeArrowheads="1" noChangeShapeType="1" noTextEdit="1"/>
+              </p:cNvSpPr>
+              <p:nvPr/>
+            </p:nvSpPr>
+            <p:spPr>
+              <a:xfrm>
+                <a:off x="2592010" y="3685191"/>
+                <a:ext cx="263149" cy="276999"/>
+              </a:xfrm>
+              <a:prstGeom prst="rect">
+                <a:avLst/>
+              </a:prstGeom>
+              <a:blipFill>
+                <a:blip r:embed="rId2"/>
+                <a:stretch>
+                  <a:fillRect l="-9524" r="-4762" b="-18182"/>
+                </a:stretch>
+              </a:blipFill>
+            </p:spPr>
+            <p:txBody>
+              <a:bodyPr/>
+              <a:lstStyle/>
+              <a:p>
+                <a:r>
+                  <a:rPr lang="ja-JP" altLang="en-US">
+                    <a:noFill/>
+                  </a:rPr>
+                  <a:t> </a:t>
+                </a:r>
+              </a:p>
+            </p:txBody>
+          </p:sp>
+        </mc:Fallback>
+      </mc:AlternateContent>
+      <mc:AlternateContent xmlns:mc="http://schemas.openxmlformats.org/markup-compatibility/2006" xmlns:a14="http://schemas.microsoft.com/office/drawing/2010/main">
+        <mc:Choice Requires="a14">
+          <p:sp>
+            <p:nvSpPr>
+              <p:cNvPr id="33" name="テキスト ボックス 32">
+                <a:extLst>
+                  <a:ext uri="{FF2B5EF4-FFF2-40B4-BE49-F238E27FC236}">
+                    <a16:creationId xmlns:a16="http://schemas.microsoft.com/office/drawing/2014/main" id="{E3537879-572C-0E42-AC0F-978D2EC3F8ED}"/>
+                  </a:ext>
+                </a:extLst>
+              </p:cNvPr>
+              <p:cNvSpPr txBox="1"/>
+              <p:nvPr/>
+            </p:nvSpPr>
+            <p:spPr>
+              <a:xfrm>
+                <a:off x="7836664" y="3788060"/>
+                <a:ext cx="289888" cy="276999"/>
+              </a:xfrm>
+              <a:prstGeom prst="rect">
+                <a:avLst/>
+              </a:prstGeom>
+              <a:noFill/>
+            </p:spPr>
+            <p:txBody>
+              <a:bodyPr wrap="none" lIns="0" tIns="0" rIns="0" bIns="0" rtlCol="0">
+                <a:spAutoFit/>
+              </a:bodyPr>
+              <a:lstStyle/>
+              <a:p>
+                <a:pPr/>
+                <a14:m>
+                  <m:oMathPara xmlns:m="http://schemas.openxmlformats.org/officeDocument/2006/math">
+                    <m:oMathParaPr>
+                      <m:jc m:val="centerGroup"/>
+                    </m:oMathParaPr>
+                    <m:oMath xmlns:m="http://schemas.openxmlformats.org/officeDocument/2006/math">
+                      <m:sSub>
+                        <m:sSubPr>
+                          <m:ctrlPr>
+                            <a:rPr kumimoji="1" lang="en-US" altLang="ja-JP" i="1" smtClean="0">
+                              <a:latin typeface="Cambria Math" panose="02040503050406030204" pitchFamily="18" charset="0"/>
+                            </a:rPr>
+                          </m:ctrlPr>
+                        </m:sSubPr>
+                        <m:e>
+                          <m:r>
+                            <a:rPr kumimoji="1" lang="en-US" altLang="ja-JP" b="0" i="1" smtClean="0">
+                              <a:latin typeface="Cambria Math" panose="02040503050406030204" pitchFamily="18" charset="0"/>
+                            </a:rPr>
+                            <m:t>𝑣</m:t>
+                          </m:r>
+                        </m:e>
+                        <m:sub>
+                          <m:r>
+                            <a:rPr kumimoji="1" lang="en-US" altLang="ja-JP" b="0" i="1" smtClean="0">
+                              <a:latin typeface="Cambria Math" panose="02040503050406030204" pitchFamily="18" charset="0"/>
+                            </a:rPr>
+                            <m:t>𝑜</m:t>
+                          </m:r>
+                        </m:sub>
+                      </m:sSub>
+                    </m:oMath>
+                  </m:oMathPara>
+                </a14:m>
+                <a:endParaRPr kumimoji="1" lang="ja-JP" altLang="en-US"/>
+              </a:p>
+            </p:txBody>
+          </p:sp>
+        </mc:Choice>
+        <mc:Fallback xmlns="">
+          <p:sp>
+            <p:nvSpPr>
+              <p:cNvPr id="33" name="テキスト ボックス 32">
+                <a:extLst>
+                  <a:ext uri="{FF2B5EF4-FFF2-40B4-BE49-F238E27FC236}">
+                    <a16:creationId xmlns:a16="http://schemas.microsoft.com/office/drawing/2014/main" id="{E3537879-572C-0E42-AC0F-978D2EC3F8ED}"/>
+                  </a:ext>
+                </a:extLst>
+              </p:cNvPr>
+              <p:cNvSpPr txBox="1">
+                <a:spLocks noRot="1" noChangeAspect="1" noMove="1" noResize="1" noEditPoints="1" noAdjustHandles="1" noChangeArrowheads="1" noChangeShapeType="1" noTextEdit="1"/>
+              </p:cNvSpPr>
+              <p:nvPr/>
+            </p:nvSpPr>
+            <p:spPr>
+              <a:xfrm>
+                <a:off x="7836664" y="3788060"/>
+                <a:ext cx="289888" cy="276999"/>
+              </a:xfrm>
+              <a:prstGeom prst="rect">
+                <a:avLst/>
+              </a:prstGeom>
+              <a:blipFill>
+                <a:blip r:embed="rId3"/>
+                <a:stretch>
+                  <a:fillRect l="-13043" b="-8696"/>
+                </a:stretch>
+              </a:blipFill>
+            </p:spPr>
+            <p:txBody>
+              <a:bodyPr/>
+              <a:lstStyle/>
+              <a:p>
+                <a:r>
+                  <a:rPr lang="ja-JP" altLang="en-US">
+                    <a:noFill/>
+                  </a:rPr>
+                  <a:t> </a:t>
+                </a:r>
+              </a:p>
+            </p:txBody>
+          </p:sp>
+        </mc:Fallback>
+      </mc:AlternateContent>
+      <p:sp>
+        <p:nvSpPr>
+          <p:cNvPr id="34" name="テキスト ボックス 33">
+            <a:extLst>
+              <a:ext uri="{FF2B5EF4-FFF2-40B4-BE49-F238E27FC236}">
+                <a16:creationId xmlns:a16="http://schemas.microsoft.com/office/drawing/2014/main" id="{A72BF359-42FE-6FCD-CCF9-340E6749CBE7}"/>
+              </a:ext>
+            </a:extLst>
+          </p:cNvPr>
+          <p:cNvSpPr txBox="1"/>
+          <p:nvPr/>
+        </p:nvSpPr>
+        <p:spPr>
+          <a:xfrm>
+            <a:off x="3540583" y="3020792"/>
+            <a:ext cx="819135" cy="184666"/>
+          </a:xfrm>
+          <a:prstGeom prst="rect">
+            <a:avLst/>
+          </a:prstGeom>
+          <a:noFill/>
+        </p:spPr>
+        <p:txBody>
+          <a:bodyPr wrap="none" lIns="0" tIns="0" rIns="0" bIns="0" rtlCol="0">
+            <a:spAutoFit/>
+          </a:bodyPr>
+          <a:lstStyle/>
+          <a:p>
+            <a:r>
+              <a:rPr kumimoji="1" lang="en-US" altLang="ja-JP" sz="1200" dirty="0">
+                <a:latin typeface="Arial" panose="020B0604020202020204" pitchFamily="34" charset="0"/>
+                <a:cs typeface="Arial" panose="020B0604020202020204" pitchFamily="34" charset="0"/>
+              </a:rPr>
+              <a:t>Input Circuit</a:t>
+            </a:r>
+            <a:endParaRPr kumimoji="1" lang="ja-JP" altLang="en-US" sz="1200">
+              <a:latin typeface="Arial" panose="020B0604020202020204" pitchFamily="34" charset="0"/>
+              <a:cs typeface="Arial" panose="020B0604020202020204" pitchFamily="34" charset="0"/>
+            </a:endParaRPr>
+          </a:p>
+        </p:txBody>
+      </p:sp>
+      <p:sp>
+        <p:nvSpPr>
+          <p:cNvPr id="35" name="テキスト ボックス 34">
+            <a:extLst>
+              <a:ext uri="{FF2B5EF4-FFF2-40B4-BE49-F238E27FC236}">
+                <a16:creationId xmlns:a16="http://schemas.microsoft.com/office/drawing/2014/main" id="{E7EFA28C-1A6B-668C-A3C8-1BF4B3A94474}"/>
+              </a:ext>
+            </a:extLst>
+          </p:cNvPr>
+          <p:cNvSpPr txBox="1"/>
+          <p:nvPr/>
+        </p:nvSpPr>
+        <p:spPr>
+          <a:xfrm>
+            <a:off x="5810311" y="1934356"/>
+            <a:ext cx="742191" cy="369332"/>
+          </a:xfrm>
+          <a:prstGeom prst="rect">
+            <a:avLst/>
+          </a:prstGeom>
+          <a:noFill/>
+        </p:spPr>
+        <p:txBody>
+          <a:bodyPr wrap="none" lIns="0" tIns="0" rIns="0" bIns="0" rtlCol="0">
+            <a:spAutoFit/>
+          </a:bodyPr>
+          <a:lstStyle/>
+          <a:p>
+            <a:pPr algn="ctr"/>
+            <a:r>
+              <a:rPr kumimoji="1" lang="en-US" altLang="ja-JP" sz="1200" dirty="0">
+                <a:latin typeface="Arial" panose="020B0604020202020204" pitchFamily="34" charset="0"/>
+                <a:cs typeface="Arial" panose="020B0604020202020204" pitchFamily="34" charset="0"/>
+              </a:rPr>
+              <a:t>Feed-Back</a:t>
+            </a:r>
+            <a:endParaRPr lang="en-US" altLang="ja-JP" sz="1200" dirty="0">
+              <a:latin typeface="Arial" panose="020B0604020202020204" pitchFamily="34" charset="0"/>
+              <a:cs typeface="Arial" panose="020B0604020202020204" pitchFamily="34" charset="0"/>
+            </a:endParaRPr>
+          </a:p>
+          <a:p>
+            <a:pPr algn="ctr"/>
+            <a:r>
+              <a:rPr kumimoji="1" lang="en-US" altLang="ja-JP" sz="1200" dirty="0">
+                <a:latin typeface="Arial" panose="020B0604020202020204" pitchFamily="34" charset="0"/>
+                <a:cs typeface="Arial" panose="020B0604020202020204" pitchFamily="34" charset="0"/>
+              </a:rPr>
+              <a:t>Circuit</a:t>
+            </a:r>
+            <a:endParaRPr kumimoji="1" lang="ja-JP" altLang="en-US" sz="1200">
+              <a:latin typeface="Arial" panose="020B0604020202020204" pitchFamily="34" charset="0"/>
+              <a:cs typeface="Arial" panose="020B0604020202020204" pitchFamily="34" charset="0"/>
+            </a:endParaRPr>
+          </a:p>
+        </p:txBody>
+      </p:sp>
+      <p:cxnSp>
+        <p:nvCxnSpPr>
+          <p:cNvPr id="36" name="直線矢印コネクタ 35">
+            <a:extLst>
+              <a:ext uri="{FF2B5EF4-FFF2-40B4-BE49-F238E27FC236}">
+                <a16:creationId xmlns:a16="http://schemas.microsoft.com/office/drawing/2014/main" id="{160D5BD9-9FF0-13A4-C750-9F64DB055676}"/>
+              </a:ext>
+            </a:extLst>
+          </p:cNvPr>
+          <p:cNvCxnSpPr>
+            <a:cxnSpLocks/>
+          </p:cNvCxnSpPr>
+          <p:nvPr/>
+        </p:nvCxnSpPr>
+        <p:spPr>
+          <a:xfrm>
+            <a:off x="3540583" y="3664366"/>
+            <a:ext cx="768571" cy="0"/>
+          </a:xfrm>
+          <a:prstGeom prst="straightConnector1">
+            <a:avLst/>
+          </a:prstGeom>
+          <a:ln>
+            <a:tailEnd type="triangle"/>
+          </a:ln>
+        </p:spPr>
+        <p:style>
+          <a:lnRef idx="1">
+            <a:schemeClr val="dk1"/>
+          </a:lnRef>
+          <a:fillRef idx="0">
+            <a:schemeClr val="dk1"/>
+          </a:fillRef>
+          <a:effectRef idx="0">
+            <a:schemeClr val="dk1"/>
+          </a:effectRef>
+          <a:fontRef idx="minor">
+            <a:schemeClr val="tx1"/>
+          </a:fontRef>
+        </p:style>
+      </p:cxnSp>
+      <mc:AlternateContent xmlns:mc="http://schemas.openxmlformats.org/markup-compatibility/2006" xmlns:a14="http://schemas.microsoft.com/office/drawing/2010/main">
+        <mc:Choice Requires="a14">
+          <p:sp>
+            <p:nvSpPr>
+              <p:cNvPr id="37" name="テキスト ボックス 36">
+                <a:extLst>
+                  <a:ext uri="{FF2B5EF4-FFF2-40B4-BE49-F238E27FC236}">
+                    <a16:creationId xmlns:a16="http://schemas.microsoft.com/office/drawing/2014/main" id="{BA138152-61D7-4B84-FE32-7345DE42A52E}"/>
+                  </a:ext>
+                </a:extLst>
+              </p:cNvPr>
+              <p:cNvSpPr txBox="1"/>
+              <p:nvPr/>
+            </p:nvSpPr>
+            <p:spPr>
+              <a:xfrm>
+                <a:off x="3793293" y="3741784"/>
+                <a:ext cx="146770" cy="276999"/>
+              </a:xfrm>
+              <a:prstGeom prst="rect">
+                <a:avLst/>
+              </a:prstGeom>
+              <a:noFill/>
+            </p:spPr>
+            <p:txBody>
+              <a:bodyPr wrap="none" lIns="0" tIns="0" rIns="0" bIns="0" rtlCol="0">
+                <a:spAutoFit/>
+              </a:bodyPr>
+              <a:lstStyle/>
+              <a:p>
+                <a:pPr/>
+                <a14:m>
+                  <m:oMathPara xmlns:m="http://schemas.openxmlformats.org/officeDocument/2006/math">
+                    <m:oMathParaPr>
+                      <m:jc m:val="centerGroup"/>
+                    </m:oMathParaPr>
+                    <m:oMath xmlns:m="http://schemas.openxmlformats.org/officeDocument/2006/math">
+                      <m:r>
+                        <a:rPr kumimoji="1" lang="en-US" altLang="ja-JP" b="0" i="1" smtClean="0">
+                          <a:latin typeface="Cambria Math" panose="02040503050406030204" pitchFamily="18" charset="0"/>
+                        </a:rPr>
+                        <m:t>𝑖</m:t>
+                      </m:r>
+                    </m:oMath>
+                  </m:oMathPara>
+                </a14:m>
+                <a:endParaRPr kumimoji="1" lang="ja-JP" altLang="en-US"/>
+              </a:p>
+            </p:txBody>
+          </p:sp>
+        </mc:Choice>
+        <mc:Fallback xmlns="">
+          <p:sp>
+            <p:nvSpPr>
+              <p:cNvPr id="37" name="テキスト ボックス 36">
+                <a:extLst>
+                  <a:ext uri="{FF2B5EF4-FFF2-40B4-BE49-F238E27FC236}">
+                    <a16:creationId xmlns:a16="http://schemas.microsoft.com/office/drawing/2014/main" id="{BA138152-61D7-4B84-FE32-7345DE42A52E}"/>
+                  </a:ext>
+                </a:extLst>
+              </p:cNvPr>
+              <p:cNvSpPr txBox="1">
+                <a:spLocks noRot="1" noChangeAspect="1" noMove="1" noResize="1" noEditPoints="1" noAdjustHandles="1" noChangeArrowheads="1" noChangeShapeType="1" noTextEdit="1"/>
+              </p:cNvSpPr>
+              <p:nvPr/>
+            </p:nvSpPr>
+            <p:spPr>
+              <a:xfrm>
+                <a:off x="3793293" y="3741784"/>
+                <a:ext cx="146770" cy="276999"/>
+              </a:xfrm>
+              <a:prstGeom prst="rect">
+                <a:avLst/>
+              </a:prstGeom>
+              <a:blipFill>
+                <a:blip r:embed="rId4"/>
+                <a:stretch>
+                  <a:fillRect l="-23077" r="-23077" b="-4348"/>
+                </a:stretch>
+              </a:blipFill>
+            </p:spPr>
+            <p:txBody>
+              <a:bodyPr/>
+              <a:lstStyle/>
+              <a:p>
+                <a:r>
+                  <a:rPr lang="ja-JP" altLang="en-US">
+                    <a:noFill/>
+                  </a:rPr>
+                  <a:t> </a:t>
+                </a:r>
+              </a:p>
+            </p:txBody>
+          </p:sp>
+        </mc:Fallback>
+      </mc:AlternateContent>
+      <p:cxnSp>
+        <p:nvCxnSpPr>
+          <p:cNvPr id="38" name="直線矢印コネクタ 37">
+            <a:extLst>
+              <a:ext uri="{FF2B5EF4-FFF2-40B4-BE49-F238E27FC236}">
+                <a16:creationId xmlns:a16="http://schemas.microsoft.com/office/drawing/2014/main" id="{84C31604-01A4-DB42-6035-02786D2A4A1C}"/>
+              </a:ext>
+            </a:extLst>
+          </p:cNvPr>
+          <p:cNvCxnSpPr>
+            <a:cxnSpLocks/>
+          </p:cNvCxnSpPr>
+          <p:nvPr/>
+        </p:nvCxnSpPr>
+        <p:spPr>
+          <a:xfrm>
+            <a:off x="5783931" y="1618997"/>
+            <a:ext cx="768571" cy="0"/>
+          </a:xfrm>
+          <a:prstGeom prst="straightConnector1">
+            <a:avLst/>
+          </a:prstGeom>
+          <a:ln>
+            <a:tailEnd type="triangle"/>
+          </a:ln>
+        </p:spPr>
+        <p:style>
+          <a:lnRef idx="1">
+            <a:schemeClr val="dk1"/>
+          </a:lnRef>
+          <a:fillRef idx="0">
+            <a:schemeClr val="dk1"/>
+          </a:fillRef>
+          <a:effectRef idx="0">
+            <a:schemeClr val="dk1"/>
+          </a:effectRef>
+          <a:fontRef idx="minor">
+            <a:schemeClr val="tx1"/>
+          </a:fontRef>
+        </p:style>
+      </p:cxnSp>
+      <mc:AlternateContent xmlns:mc="http://schemas.openxmlformats.org/markup-compatibility/2006" xmlns:a14="http://schemas.microsoft.com/office/drawing/2010/main">
+        <mc:Choice Requires="a14">
+          <p:sp>
+            <p:nvSpPr>
+              <p:cNvPr id="39" name="テキスト ボックス 38">
+                <a:extLst>
+                  <a:ext uri="{FF2B5EF4-FFF2-40B4-BE49-F238E27FC236}">
+                    <a16:creationId xmlns:a16="http://schemas.microsoft.com/office/drawing/2014/main" id="{31AD33BA-8DE9-EF00-6EB9-442753BCB1AC}"/>
+                  </a:ext>
+                </a:extLst>
+              </p:cNvPr>
+              <p:cNvSpPr txBox="1"/>
+              <p:nvPr/>
+            </p:nvSpPr>
+            <p:spPr>
+              <a:xfrm>
+                <a:off x="6023272" y="1272517"/>
+                <a:ext cx="240579" cy="299249"/>
+              </a:xfrm>
+              <a:prstGeom prst="rect">
+                <a:avLst/>
+              </a:prstGeom>
+              <a:noFill/>
+            </p:spPr>
+            <p:txBody>
+              <a:bodyPr wrap="none" lIns="0" tIns="0" rIns="0" bIns="0" rtlCol="0">
+                <a:spAutoFit/>
+              </a:bodyPr>
+              <a:lstStyle/>
+              <a:p>
+                <a:pPr/>
+                <a14:m>
+                  <m:oMathPara xmlns:m="http://schemas.openxmlformats.org/officeDocument/2006/math">
+                    <m:oMathParaPr>
+                      <m:jc m:val="centerGroup"/>
+                    </m:oMathParaPr>
+                    <m:oMath xmlns:m="http://schemas.openxmlformats.org/officeDocument/2006/math">
+                      <m:sSub>
+                        <m:sSubPr>
+                          <m:ctrlPr>
+                            <a:rPr kumimoji="1" lang="en-US" altLang="ja-JP" i="1" smtClean="0">
+                              <a:latin typeface="Cambria Math" panose="02040503050406030204" pitchFamily="18" charset="0"/>
+                            </a:rPr>
+                          </m:ctrlPr>
+                        </m:sSubPr>
+                        <m:e>
+                          <m:r>
+                            <a:rPr kumimoji="1" lang="en-US" altLang="ja-JP" b="0" i="1" smtClean="0">
+                              <a:latin typeface="Cambria Math" panose="02040503050406030204" pitchFamily="18" charset="0"/>
+                            </a:rPr>
+                            <m:t>𝑖</m:t>
+                          </m:r>
+                        </m:e>
+                        <m:sub>
+                          <m:r>
+                            <a:rPr kumimoji="1" lang="en-US" altLang="ja-JP" b="0" i="1" smtClean="0">
+                              <a:latin typeface="Cambria Math" panose="02040503050406030204" pitchFamily="18" charset="0"/>
+                            </a:rPr>
+                            <m:t>𝑓</m:t>
+                          </m:r>
+                        </m:sub>
+                      </m:sSub>
+                    </m:oMath>
+                  </m:oMathPara>
+                </a14:m>
+                <a:endParaRPr kumimoji="1" lang="ja-JP" altLang="en-US"/>
+              </a:p>
+            </p:txBody>
+          </p:sp>
+        </mc:Choice>
+        <mc:Fallback xmlns="">
+          <p:sp>
+            <p:nvSpPr>
+              <p:cNvPr id="39" name="テキスト ボックス 38">
+                <a:extLst>
+                  <a:ext uri="{FF2B5EF4-FFF2-40B4-BE49-F238E27FC236}">
+                    <a16:creationId xmlns:a16="http://schemas.microsoft.com/office/drawing/2014/main" id="{31AD33BA-8DE9-EF00-6EB9-442753BCB1AC}"/>
+                  </a:ext>
+                </a:extLst>
+              </p:cNvPr>
+              <p:cNvSpPr txBox="1">
+                <a:spLocks noRot="1" noChangeAspect="1" noMove="1" noResize="1" noEditPoints="1" noAdjustHandles="1" noChangeArrowheads="1" noChangeShapeType="1" noTextEdit="1"/>
+              </p:cNvSpPr>
+              <p:nvPr/>
+            </p:nvSpPr>
+            <p:spPr>
+              <a:xfrm>
+                <a:off x="6023272" y="1272517"/>
+                <a:ext cx="240579" cy="299249"/>
+              </a:xfrm>
+              <a:prstGeom prst="rect">
+                <a:avLst/>
+              </a:prstGeom>
+              <a:blipFill>
+                <a:blip r:embed="rId5"/>
+                <a:stretch>
+                  <a:fillRect l="-20000" r="-10000" b="-29167"/>
+                </a:stretch>
+              </a:blipFill>
+            </p:spPr>
+            <p:txBody>
+              <a:bodyPr/>
+              <a:lstStyle/>
+              <a:p>
+                <a:r>
+                  <a:rPr lang="ja-JP" altLang="en-US">
+                    <a:noFill/>
+                  </a:rPr>
+                  <a:t> </a:t>
+                </a:r>
+              </a:p>
+            </p:txBody>
+          </p:sp>
+        </mc:Fallback>
+      </mc:AlternateContent>
+      <p:cxnSp>
+        <p:nvCxnSpPr>
+          <p:cNvPr id="40" name="直線矢印コネクタ 39">
+            <a:extLst>
+              <a:ext uri="{FF2B5EF4-FFF2-40B4-BE49-F238E27FC236}">
+                <a16:creationId xmlns:a16="http://schemas.microsoft.com/office/drawing/2014/main" id="{67C3DD64-3189-130E-EAAD-B1F9DEBAAEC7}"/>
+              </a:ext>
+            </a:extLst>
+          </p:cNvPr>
+          <p:cNvCxnSpPr>
+            <a:cxnSpLocks/>
+          </p:cNvCxnSpPr>
+          <p:nvPr/>
+        </p:nvCxnSpPr>
+        <p:spPr>
+          <a:xfrm>
+            <a:off x="1471156" y="3134513"/>
+            <a:ext cx="1197319" cy="0"/>
+          </a:xfrm>
+          <a:prstGeom prst="straightConnector1">
+            <a:avLst/>
+          </a:prstGeom>
+          <a:ln>
+            <a:tailEnd type="stealth"/>
+          </a:ln>
+        </p:spPr>
+        <p:style>
+          <a:lnRef idx="1">
+            <a:schemeClr val="dk1"/>
+          </a:lnRef>
+          <a:fillRef idx="0">
+            <a:schemeClr val="dk1"/>
+          </a:fillRef>
+          <a:effectRef idx="0">
+            <a:schemeClr val="dk1"/>
+          </a:effectRef>
+          <a:fontRef idx="minor">
+            <a:schemeClr val="tx1"/>
+          </a:fontRef>
+        </p:style>
+      </p:cxnSp>
+      <p:sp>
+        <p:nvSpPr>
+          <p:cNvPr id="42" name="テキスト ボックス 41">
+            <a:extLst>
+              <a:ext uri="{FF2B5EF4-FFF2-40B4-BE49-F238E27FC236}">
+                <a16:creationId xmlns:a16="http://schemas.microsoft.com/office/drawing/2014/main" id="{F8D7CC62-D949-CB9B-6A02-58960CB5EB22}"/>
+              </a:ext>
+            </a:extLst>
+          </p:cNvPr>
+          <p:cNvSpPr txBox="1"/>
+          <p:nvPr/>
+        </p:nvSpPr>
+        <p:spPr>
+          <a:xfrm>
+            <a:off x="1471156" y="2836126"/>
+            <a:ext cx="1218282" cy="184666"/>
+          </a:xfrm>
+          <a:prstGeom prst="rect">
+            <a:avLst/>
+          </a:prstGeom>
+          <a:noFill/>
+        </p:spPr>
+        <p:txBody>
+          <a:bodyPr wrap="none" lIns="0" tIns="0" rIns="0" bIns="0" rtlCol="0">
+            <a:spAutoFit/>
+          </a:bodyPr>
+          <a:lstStyle/>
+          <a:p>
+            <a:r>
+              <a:rPr kumimoji="1" lang="en-US" altLang="ja-JP" sz="1200" dirty="0">
+                <a:latin typeface="Arial" panose="020B0604020202020204" pitchFamily="34" charset="0"/>
+                <a:cs typeface="Arial" panose="020B0604020202020204" pitchFamily="34" charset="0"/>
+              </a:rPr>
+              <a:t>Oscilloscope CH1</a:t>
+            </a:r>
+            <a:endParaRPr kumimoji="1" lang="ja-JP" altLang="en-US" sz="1200">
+              <a:latin typeface="Arial" panose="020B0604020202020204" pitchFamily="34" charset="0"/>
+              <a:cs typeface="Arial" panose="020B0604020202020204" pitchFamily="34" charset="0"/>
+            </a:endParaRPr>
+          </a:p>
+        </p:txBody>
+      </p:sp>
+      <p:cxnSp>
+        <p:nvCxnSpPr>
+          <p:cNvPr id="45" name="直線矢印コネクタ 44">
+            <a:extLst>
+              <a:ext uri="{FF2B5EF4-FFF2-40B4-BE49-F238E27FC236}">
+                <a16:creationId xmlns:a16="http://schemas.microsoft.com/office/drawing/2014/main" id="{C5DA4418-FF83-722C-8FF2-80B940BD0E6C}"/>
+              </a:ext>
+            </a:extLst>
+          </p:cNvPr>
+          <p:cNvCxnSpPr>
+            <a:cxnSpLocks/>
+          </p:cNvCxnSpPr>
+          <p:nvPr/>
+        </p:nvCxnSpPr>
+        <p:spPr>
+          <a:xfrm flipH="1">
+            <a:off x="7958036" y="3429548"/>
+            <a:ext cx="1218282" cy="0"/>
+          </a:xfrm>
+          <a:prstGeom prst="straightConnector1">
+            <a:avLst/>
+          </a:prstGeom>
+          <a:ln>
+            <a:tailEnd type="stealth"/>
+          </a:ln>
+        </p:spPr>
+        <p:style>
+          <a:lnRef idx="1">
+            <a:schemeClr val="dk1"/>
+          </a:lnRef>
+          <a:fillRef idx="0">
+            <a:schemeClr val="dk1"/>
+          </a:fillRef>
+          <a:effectRef idx="0">
+            <a:schemeClr val="dk1"/>
+          </a:effectRef>
+          <a:fontRef idx="minor">
+            <a:schemeClr val="tx1"/>
+          </a:fontRef>
+        </p:style>
+      </p:cxnSp>
+      <p:sp>
+        <p:nvSpPr>
+          <p:cNvPr id="46" name="テキスト ボックス 45">
+            <a:extLst>
+              <a:ext uri="{FF2B5EF4-FFF2-40B4-BE49-F238E27FC236}">
+                <a16:creationId xmlns:a16="http://schemas.microsoft.com/office/drawing/2014/main" id="{BC93EEC4-FECD-93F3-FAE8-C4BC4BA64D83}"/>
+              </a:ext>
+            </a:extLst>
+          </p:cNvPr>
+          <p:cNvSpPr txBox="1"/>
+          <p:nvPr/>
+        </p:nvSpPr>
+        <p:spPr>
+          <a:xfrm>
+            <a:off x="7977962" y="3134513"/>
+            <a:ext cx="1218282" cy="184666"/>
+          </a:xfrm>
+          <a:prstGeom prst="rect">
+            <a:avLst/>
+          </a:prstGeom>
+          <a:noFill/>
+        </p:spPr>
+        <p:txBody>
+          <a:bodyPr wrap="none" lIns="0" tIns="0" rIns="0" bIns="0" rtlCol="0">
+            <a:spAutoFit/>
+          </a:bodyPr>
+          <a:lstStyle/>
+          <a:p>
+            <a:r>
+              <a:rPr kumimoji="1" lang="en-US" altLang="ja-JP" sz="1200" dirty="0">
+                <a:latin typeface="Arial" panose="020B0604020202020204" pitchFamily="34" charset="0"/>
+                <a:cs typeface="Arial" panose="020B0604020202020204" pitchFamily="34" charset="0"/>
+              </a:rPr>
+              <a:t>Oscilloscope CH2</a:t>
+            </a:r>
+            <a:endParaRPr kumimoji="1" lang="ja-JP" altLang="en-US" sz="1200">
+              <a:latin typeface="Arial" panose="020B0604020202020204" pitchFamily="34" charset="0"/>
+              <a:cs typeface="Arial" panose="020B0604020202020204" pitchFamily="34" charset="0"/>
+            </a:endParaRPr>
+          </a:p>
+        </p:txBody>
+      </p:sp>
+      <p:sp>
+        <p:nvSpPr>
+          <p:cNvPr id="50" name="テキスト ボックス 49">
+            <a:extLst>
+              <a:ext uri="{FF2B5EF4-FFF2-40B4-BE49-F238E27FC236}">
+                <a16:creationId xmlns:a16="http://schemas.microsoft.com/office/drawing/2014/main" id="{474802D2-F9DB-26FD-9FF2-462B2DAE60BE}"/>
+              </a:ext>
+            </a:extLst>
+          </p:cNvPr>
+          <p:cNvSpPr txBox="1"/>
+          <p:nvPr/>
+        </p:nvSpPr>
+        <p:spPr>
+          <a:xfrm>
+            <a:off x="1590304" y="3232908"/>
+            <a:ext cx="895630" cy="184666"/>
+          </a:xfrm>
+          <a:prstGeom prst="rect">
+            <a:avLst/>
+          </a:prstGeom>
+          <a:noFill/>
+        </p:spPr>
+        <p:txBody>
+          <a:bodyPr wrap="none" lIns="0" tIns="0" rIns="0" bIns="0" rtlCol="0">
+            <a:spAutoFit/>
+          </a:bodyPr>
+          <a:lstStyle/>
+          <a:p>
+            <a:r>
+              <a:rPr lang="en-US" altLang="ja-JP" sz="1200" dirty="0">
+                <a:latin typeface="Arial" panose="020B0604020202020204" pitchFamily="34" charset="0"/>
+                <a:cs typeface="Arial" panose="020B0604020202020204" pitchFamily="34" charset="0"/>
+              </a:rPr>
+              <a:t>Input Voltage</a:t>
+            </a:r>
+            <a:endParaRPr kumimoji="1" lang="ja-JP" altLang="en-US" sz="1200">
+              <a:latin typeface="Arial" panose="020B0604020202020204" pitchFamily="34" charset="0"/>
+              <a:cs typeface="Arial" panose="020B0604020202020204" pitchFamily="34" charset="0"/>
+            </a:endParaRPr>
+          </a:p>
+        </p:txBody>
+      </p:sp>
+    </p:spTree>
+    <p:extLst>
+      <p:ext uri="{BB962C8B-B14F-4D97-AF65-F5344CB8AC3E}">
+        <p14:creationId xmlns:p14="http://schemas.microsoft.com/office/powerpoint/2010/main" val="2381122296"/>
+      </p:ext>
+    </p:extLst>
+  </p:cSld>
+  <p:clrMapOvr>
+    <a:masterClrMapping/>
+  </p:clrMapOvr>
+</p:sld>
+</file>
+
+<file path=ppt/slides/slide3.xml><?xml version="1.0" encoding="utf-8"?>
+<p:sld xmlns:a="http://schemas.openxmlformats.org/drawingml/2006/main" xmlns:r="http://schemas.openxmlformats.org/officeDocument/2006/relationships" xmlns:p="http://schemas.openxmlformats.org/presentationml/2006/main">
+  <p:cSld>
+    <p:spTree>
+      <p:nvGrpSpPr>
+        <p:cNvPr id="1" name=""/>
+        <p:cNvGrpSpPr/>
+        <p:nvPr/>
+      </p:nvGrpSpPr>
+      <p:grpSpPr>
+        <a:xfrm>
+          <a:off x="0" y="0"/>
+          <a:ext cx="0" cy="0"/>
+          <a:chOff x="0" y="0"/>
+          <a:chExt cx="0" cy="0"/>
+        </a:xfrm>
+      </p:grpSpPr>
+      <p:sp>
+        <p:nvSpPr>
+          <p:cNvPr id="4" name="三角形 3">
+            <a:extLst>
+              <a:ext uri="{FF2B5EF4-FFF2-40B4-BE49-F238E27FC236}">
+                <a16:creationId xmlns:a16="http://schemas.microsoft.com/office/drawing/2014/main" id="{D1DBD33E-D5A7-CA0A-C260-41A0EBCE277A}"/>
+              </a:ext>
+            </a:extLst>
+          </p:cNvPr>
+          <p:cNvSpPr/>
+          <p:nvPr/>
+        </p:nvSpPr>
+        <p:spPr>
+          <a:xfrm rot="5400000">
+            <a:off x="5527651" y="2830859"/>
+            <a:ext cx="1402538" cy="1196283"/>
+          </a:xfrm>
+          <a:prstGeom prst="triangle">
+            <a:avLst/>
+          </a:prstGeom>
+          <a:noFill/>
+          <a:ln w="19050">
+            <a:solidFill>
+              <a:schemeClr val="tx1"/>
+            </a:solidFill>
+          </a:ln>
+        </p:spPr>
+        <p:style>
+          <a:lnRef idx="2">
+            <a:schemeClr val="accent1">
+              <a:shade val="50000"/>
+            </a:schemeClr>
+          </a:lnRef>
+          <a:fillRef idx="1">
+            <a:schemeClr val="accent1"/>
+          </a:fillRef>
+          <a:effectRef idx="0">
+            <a:schemeClr val="accent1"/>
+          </a:effectRef>
+          <a:fontRef idx="minor">
+            <a:schemeClr val="lt1"/>
+          </a:fontRef>
+        </p:style>
+        <p:txBody>
+          <a:bodyPr rtlCol="0" anchor="ctr"/>
+          <a:lstStyle/>
+          <a:p>
+            <a:pPr algn="ctr"/>
+            <a:endParaRPr kumimoji="1" lang="ja-JP" altLang="en-US"/>
+          </a:p>
+        </p:txBody>
+      </p:sp>
+      <p:cxnSp>
+        <p:nvCxnSpPr>
+          <p:cNvPr id="6" name="直線コネクタ 5">
+            <a:extLst>
+              <a:ext uri="{FF2B5EF4-FFF2-40B4-BE49-F238E27FC236}">
+                <a16:creationId xmlns:a16="http://schemas.microsoft.com/office/drawing/2014/main" id="{F713976A-518C-F0BC-1ADD-279114B75E88}"/>
+              </a:ext>
+            </a:extLst>
+          </p:cNvPr>
+          <p:cNvCxnSpPr>
+            <a:cxnSpLocks/>
+            <a:endCxn id="37" idx="2"/>
+          </p:cNvCxnSpPr>
+          <p:nvPr/>
+        </p:nvCxnSpPr>
+        <p:spPr>
+          <a:xfrm>
+            <a:off x="6827062" y="3429000"/>
+            <a:ext cx="834979" cy="0"/>
+          </a:xfrm>
+          <a:prstGeom prst="line">
+            <a:avLst/>
+          </a:prstGeom>
+          <a:ln w="19050"/>
+        </p:spPr>
+        <p:style>
+          <a:lnRef idx="1">
+            <a:schemeClr val="dk1"/>
+          </a:lnRef>
+          <a:fillRef idx="0">
+            <a:schemeClr val="dk1"/>
+          </a:fillRef>
+          <a:effectRef idx="0">
+            <a:schemeClr val="dk1"/>
+          </a:effectRef>
+          <a:fontRef idx="minor">
+            <a:schemeClr val="tx1"/>
+          </a:fontRef>
+        </p:style>
+      </p:cxnSp>
+      <p:cxnSp>
+        <p:nvCxnSpPr>
+          <p:cNvPr id="8" name="直線コネクタ 7">
+            <a:extLst>
+              <a:ext uri="{FF2B5EF4-FFF2-40B4-BE49-F238E27FC236}">
+                <a16:creationId xmlns:a16="http://schemas.microsoft.com/office/drawing/2014/main" id="{64E1A22E-5912-40A4-3E48-E1A4D9640EAC}"/>
+              </a:ext>
+            </a:extLst>
+          </p:cNvPr>
+          <p:cNvCxnSpPr>
+            <a:cxnSpLocks/>
+          </p:cNvCxnSpPr>
+          <p:nvPr/>
+        </p:nvCxnSpPr>
+        <p:spPr>
+          <a:xfrm>
+            <a:off x="4257675" y="3134513"/>
+            <a:ext cx="1373103" cy="0"/>
+          </a:xfrm>
+          <a:prstGeom prst="line">
+            <a:avLst/>
+          </a:prstGeom>
+          <a:ln w="19050"/>
+        </p:spPr>
+        <p:style>
+          <a:lnRef idx="1">
+            <a:schemeClr val="dk1"/>
+          </a:lnRef>
+          <a:fillRef idx="0">
+            <a:schemeClr val="dk1"/>
+          </a:fillRef>
+          <a:effectRef idx="0">
+            <a:schemeClr val="dk1"/>
+          </a:effectRef>
+          <a:fontRef idx="minor">
+            <a:schemeClr val="tx1"/>
+          </a:fontRef>
+        </p:style>
+      </p:cxnSp>
+      <p:cxnSp>
+        <p:nvCxnSpPr>
+          <p:cNvPr id="17" name="カギ線コネクタ 16">
+            <a:extLst>
+              <a:ext uri="{FF2B5EF4-FFF2-40B4-BE49-F238E27FC236}">
+                <a16:creationId xmlns:a16="http://schemas.microsoft.com/office/drawing/2014/main" id="{B25F2280-4EBD-06B2-BC0B-645121EC4BD2}"/>
+              </a:ext>
+            </a:extLst>
+          </p:cNvPr>
+          <p:cNvCxnSpPr>
+            <a:cxnSpLocks/>
+          </p:cNvCxnSpPr>
+          <p:nvPr/>
+        </p:nvCxnSpPr>
+        <p:spPr>
+          <a:xfrm rot="5400000">
+            <a:off x="4955326" y="3817130"/>
+            <a:ext cx="769095" cy="581809"/>
+          </a:xfrm>
+          <a:prstGeom prst="bentConnector3">
+            <a:avLst>
+              <a:gd name="adj1" fmla="val 1315"/>
+            </a:avLst>
+          </a:prstGeom>
+          <a:ln w="19050"/>
+        </p:spPr>
+        <p:style>
+          <a:lnRef idx="1">
+            <a:schemeClr val="dk1"/>
+          </a:lnRef>
+          <a:fillRef idx="0">
+            <a:schemeClr val="dk1"/>
+          </a:fillRef>
+          <a:effectRef idx="0">
+            <a:schemeClr val="dk1"/>
+          </a:effectRef>
+          <a:fontRef idx="minor">
+            <a:schemeClr val="tx1"/>
+          </a:fontRef>
+        </p:style>
+      </p:cxnSp>
+      <p:cxnSp>
+        <p:nvCxnSpPr>
+          <p:cNvPr id="26" name="直線コネクタ 25">
+            <a:extLst>
+              <a:ext uri="{FF2B5EF4-FFF2-40B4-BE49-F238E27FC236}">
+                <a16:creationId xmlns:a16="http://schemas.microsoft.com/office/drawing/2014/main" id="{9E468E5C-6C7A-A3C9-1EC0-D86C5487B136}"/>
+              </a:ext>
+            </a:extLst>
+          </p:cNvPr>
+          <p:cNvCxnSpPr>
+            <a:cxnSpLocks/>
+          </p:cNvCxnSpPr>
+          <p:nvPr/>
+        </p:nvCxnSpPr>
+        <p:spPr>
+          <a:xfrm>
+            <a:off x="4819526" y="4492582"/>
+            <a:ext cx="450098" cy="0"/>
+          </a:xfrm>
+          <a:prstGeom prst="line">
+            <a:avLst/>
+          </a:prstGeom>
+          <a:ln w="19050"/>
+        </p:spPr>
+        <p:style>
+          <a:lnRef idx="1">
+            <a:schemeClr val="dk1"/>
+          </a:lnRef>
+          <a:fillRef idx="0">
+            <a:schemeClr val="dk1"/>
+          </a:fillRef>
+          <a:effectRef idx="0">
+            <a:schemeClr val="dk1"/>
+          </a:effectRef>
+          <a:fontRef idx="minor">
+            <a:schemeClr val="tx1"/>
+          </a:fontRef>
+        </p:style>
+      </p:cxnSp>
+      <p:cxnSp>
+        <p:nvCxnSpPr>
+          <p:cNvPr id="28" name="直線コネクタ 27">
+            <a:extLst>
+              <a:ext uri="{FF2B5EF4-FFF2-40B4-BE49-F238E27FC236}">
+                <a16:creationId xmlns:a16="http://schemas.microsoft.com/office/drawing/2014/main" id="{85B9CF3E-A2B9-EFB5-EFB2-61CB59F95267}"/>
+              </a:ext>
+            </a:extLst>
+          </p:cNvPr>
+          <p:cNvCxnSpPr>
+            <a:cxnSpLocks/>
+          </p:cNvCxnSpPr>
+          <p:nvPr/>
+        </p:nvCxnSpPr>
+        <p:spPr>
+          <a:xfrm>
+            <a:off x="4890121" y="4566155"/>
+            <a:ext cx="308904" cy="0"/>
+          </a:xfrm>
+          <a:prstGeom prst="line">
+            <a:avLst/>
+          </a:prstGeom>
+          <a:ln w="19050"/>
+        </p:spPr>
+        <p:style>
+          <a:lnRef idx="1">
+            <a:schemeClr val="dk1"/>
+          </a:lnRef>
+          <a:fillRef idx="0">
+            <a:schemeClr val="dk1"/>
+          </a:fillRef>
+          <a:effectRef idx="0">
+            <a:schemeClr val="dk1"/>
+          </a:effectRef>
+          <a:fontRef idx="minor">
+            <a:schemeClr val="tx1"/>
+          </a:fontRef>
+        </p:style>
+      </p:cxnSp>
+      <p:cxnSp>
+        <p:nvCxnSpPr>
+          <p:cNvPr id="30" name="直線コネクタ 29">
+            <a:extLst>
+              <a:ext uri="{FF2B5EF4-FFF2-40B4-BE49-F238E27FC236}">
+                <a16:creationId xmlns:a16="http://schemas.microsoft.com/office/drawing/2014/main" id="{D82358A0-8282-7211-2B33-1B769436A9E2}"/>
+              </a:ext>
+            </a:extLst>
+          </p:cNvPr>
+          <p:cNvCxnSpPr>
+            <a:cxnSpLocks/>
+          </p:cNvCxnSpPr>
+          <p:nvPr/>
+        </p:nvCxnSpPr>
+        <p:spPr>
+          <a:xfrm>
+            <a:off x="4968948" y="4647609"/>
+            <a:ext cx="151249" cy="0"/>
+          </a:xfrm>
+          <a:prstGeom prst="line">
+            <a:avLst/>
+          </a:prstGeom>
+          <a:ln w="19050"/>
+        </p:spPr>
+        <p:style>
+          <a:lnRef idx="1">
+            <a:schemeClr val="dk1"/>
+          </a:lnRef>
+          <a:fillRef idx="0">
+            <a:schemeClr val="dk1"/>
+          </a:fillRef>
+          <a:effectRef idx="0">
+            <a:schemeClr val="dk1"/>
+          </a:effectRef>
+          <a:fontRef idx="minor">
+            <a:schemeClr val="tx1"/>
+          </a:fontRef>
+        </p:style>
+      </p:cxnSp>
+      <p:cxnSp>
+        <p:nvCxnSpPr>
+          <p:cNvPr id="32" name="直線コネクタ 31">
+            <a:extLst>
+              <a:ext uri="{FF2B5EF4-FFF2-40B4-BE49-F238E27FC236}">
+                <a16:creationId xmlns:a16="http://schemas.microsoft.com/office/drawing/2014/main" id="{402483E0-F95B-C472-6CC0-C85C3CC426E4}"/>
+              </a:ext>
+            </a:extLst>
+          </p:cNvPr>
+          <p:cNvCxnSpPr>
+            <a:cxnSpLocks/>
+          </p:cNvCxnSpPr>
+          <p:nvPr/>
+        </p:nvCxnSpPr>
+        <p:spPr>
+          <a:xfrm>
+            <a:off x="5731525" y="3134513"/>
+            <a:ext cx="133247" cy="0"/>
+          </a:xfrm>
+          <a:prstGeom prst="line">
+            <a:avLst/>
+          </a:prstGeom>
+          <a:ln w="19050"/>
+        </p:spPr>
+        <p:style>
+          <a:lnRef idx="1">
+            <a:schemeClr val="dk1"/>
+          </a:lnRef>
+          <a:fillRef idx="0">
+            <a:schemeClr val="dk1"/>
+          </a:fillRef>
+          <a:effectRef idx="0">
+            <a:schemeClr val="dk1"/>
+          </a:effectRef>
+          <a:fontRef idx="minor">
+            <a:schemeClr val="tx1"/>
+          </a:fontRef>
+        </p:style>
+      </p:cxnSp>
+      <p:cxnSp>
+        <p:nvCxnSpPr>
+          <p:cNvPr id="34" name="直線コネクタ 33">
+            <a:extLst>
+              <a:ext uri="{FF2B5EF4-FFF2-40B4-BE49-F238E27FC236}">
+                <a16:creationId xmlns:a16="http://schemas.microsoft.com/office/drawing/2014/main" id="{4A0C8A01-95F8-19F4-2AEE-6770DF3040D1}"/>
+              </a:ext>
+            </a:extLst>
+          </p:cNvPr>
+          <p:cNvCxnSpPr>
+            <a:cxnSpLocks/>
+          </p:cNvCxnSpPr>
+          <p:nvPr/>
+        </p:nvCxnSpPr>
+        <p:spPr>
+          <a:xfrm>
+            <a:off x="5730970" y="3723487"/>
+            <a:ext cx="133247" cy="0"/>
+          </a:xfrm>
+          <a:prstGeom prst="line">
+            <a:avLst/>
+          </a:prstGeom>
+          <a:ln w="19050"/>
+        </p:spPr>
+        <p:style>
+          <a:lnRef idx="1">
+            <a:schemeClr val="dk1"/>
+          </a:lnRef>
+          <a:fillRef idx="0">
+            <a:schemeClr val="dk1"/>
+          </a:fillRef>
+          <a:effectRef idx="0">
+            <a:schemeClr val="dk1"/>
+          </a:effectRef>
+          <a:fontRef idx="minor">
+            <a:schemeClr val="tx1"/>
+          </a:fontRef>
+        </p:style>
+      </p:cxnSp>
+      <p:cxnSp>
+        <p:nvCxnSpPr>
+          <p:cNvPr id="35" name="直線コネクタ 34">
+            <a:extLst>
+              <a:ext uri="{FF2B5EF4-FFF2-40B4-BE49-F238E27FC236}">
+                <a16:creationId xmlns:a16="http://schemas.microsoft.com/office/drawing/2014/main" id="{17B5A78A-35F9-6AF1-3331-55A54971B341}"/>
+              </a:ext>
+            </a:extLst>
+          </p:cNvPr>
+          <p:cNvCxnSpPr>
+            <a:cxnSpLocks/>
+          </p:cNvCxnSpPr>
+          <p:nvPr/>
+        </p:nvCxnSpPr>
+        <p:spPr>
+          <a:xfrm flipV="1">
+            <a:off x="5797593" y="3664366"/>
+            <a:ext cx="0" cy="123694"/>
+          </a:xfrm>
+          <a:prstGeom prst="line">
+            <a:avLst/>
+          </a:prstGeom>
+          <a:ln w="19050"/>
+        </p:spPr>
+        <p:style>
+          <a:lnRef idx="1">
+            <a:schemeClr val="dk1"/>
+          </a:lnRef>
+          <a:fillRef idx="0">
+            <a:schemeClr val="dk1"/>
+          </a:fillRef>
+          <a:effectRef idx="0">
+            <a:schemeClr val="dk1"/>
+          </a:effectRef>
+          <a:fontRef idx="minor">
+            <a:schemeClr val="tx1"/>
+          </a:fontRef>
+        </p:style>
+      </p:cxnSp>
+      <p:sp>
+        <p:nvSpPr>
+          <p:cNvPr id="37" name="円/楕円 36">
+            <a:extLst>
+              <a:ext uri="{FF2B5EF4-FFF2-40B4-BE49-F238E27FC236}">
+                <a16:creationId xmlns:a16="http://schemas.microsoft.com/office/drawing/2014/main" id="{DF9283E7-EE19-8A9A-3130-C07E52CD8A1F}"/>
+              </a:ext>
+            </a:extLst>
+          </p:cNvPr>
+          <p:cNvSpPr/>
+          <p:nvPr/>
+        </p:nvSpPr>
+        <p:spPr>
+          <a:xfrm>
+            <a:off x="7662041" y="3358055"/>
+            <a:ext cx="141889" cy="141890"/>
+          </a:xfrm>
+          <a:prstGeom prst="ellipse">
+            <a:avLst/>
+          </a:prstGeom>
+          <a:noFill/>
+          <a:ln w="19050">
+            <a:solidFill>
+              <a:schemeClr val="tx1"/>
+            </a:solidFill>
+          </a:ln>
+        </p:spPr>
+        <p:style>
+          <a:lnRef idx="2">
+            <a:schemeClr val="accent1">
+              <a:shade val="50000"/>
+            </a:schemeClr>
+          </a:lnRef>
+          <a:fillRef idx="1">
+            <a:schemeClr val="accent1"/>
+          </a:fillRef>
+          <a:effectRef idx="0">
+            <a:schemeClr val="accent1"/>
+          </a:effectRef>
+          <a:fontRef idx="minor">
+            <a:schemeClr val="lt1"/>
+          </a:fontRef>
+        </p:style>
+        <p:txBody>
+          <a:bodyPr rtlCol="0" anchor="ctr"/>
+          <a:lstStyle/>
+          <a:p>
+            <a:pPr algn="ctr"/>
+            <a:endParaRPr kumimoji="1" lang="ja-JP" altLang="en-US"/>
+          </a:p>
+        </p:txBody>
+      </p:sp>
+      <p:sp>
+        <p:nvSpPr>
+          <p:cNvPr id="40" name="円/楕円 39">
+            <a:extLst>
+              <a:ext uri="{FF2B5EF4-FFF2-40B4-BE49-F238E27FC236}">
+                <a16:creationId xmlns:a16="http://schemas.microsoft.com/office/drawing/2014/main" id="{80995DAF-52EC-36D1-4AB2-72596B3BEDEE}"/>
+              </a:ext>
+            </a:extLst>
+          </p:cNvPr>
+          <p:cNvSpPr/>
+          <p:nvPr/>
+        </p:nvSpPr>
+        <p:spPr>
+          <a:xfrm>
+            <a:off x="4978308" y="3063568"/>
+            <a:ext cx="141889" cy="141890"/>
+          </a:xfrm>
+          <a:prstGeom prst="ellipse">
+            <a:avLst/>
+          </a:prstGeom>
+          <a:solidFill>
+            <a:schemeClr val="tx1"/>
+          </a:solidFill>
+          <a:ln w="19050">
+            <a:solidFill>
+              <a:schemeClr val="tx1"/>
+            </a:solidFill>
+          </a:ln>
+        </p:spPr>
+        <p:style>
+          <a:lnRef idx="2">
+            <a:schemeClr val="accent1">
+              <a:shade val="50000"/>
+            </a:schemeClr>
+          </a:lnRef>
+          <a:fillRef idx="1">
+            <a:schemeClr val="accent1"/>
+          </a:fillRef>
+          <a:effectRef idx="0">
+            <a:schemeClr val="accent1"/>
+          </a:effectRef>
+          <a:fontRef idx="minor">
+            <a:schemeClr val="lt1"/>
+          </a:fontRef>
+        </p:style>
+        <p:txBody>
+          <a:bodyPr rtlCol="0" anchor="ctr"/>
+          <a:lstStyle/>
+          <a:p>
+            <a:pPr algn="ctr"/>
+            <a:endParaRPr kumimoji="1" lang="ja-JP" altLang="en-US"/>
+          </a:p>
+        </p:txBody>
+      </p:sp>
+      <p:cxnSp>
+        <p:nvCxnSpPr>
+          <p:cNvPr id="41" name="直線コネクタ 40">
+            <a:extLst>
+              <a:ext uri="{FF2B5EF4-FFF2-40B4-BE49-F238E27FC236}">
+                <a16:creationId xmlns:a16="http://schemas.microsoft.com/office/drawing/2014/main" id="{63EF50E8-DFD4-F1B5-10EB-3DCAF636DE44}"/>
+              </a:ext>
+            </a:extLst>
+          </p:cNvPr>
+          <p:cNvCxnSpPr>
+            <a:cxnSpLocks/>
+          </p:cNvCxnSpPr>
+          <p:nvPr/>
+        </p:nvCxnSpPr>
+        <p:spPr>
+          <a:xfrm>
+            <a:off x="7507938" y="4492582"/>
+            <a:ext cx="450098" cy="0"/>
+          </a:xfrm>
+          <a:prstGeom prst="line">
+            <a:avLst/>
+          </a:prstGeom>
+          <a:ln w="19050"/>
+        </p:spPr>
+        <p:style>
+          <a:lnRef idx="1">
+            <a:schemeClr val="dk1"/>
+          </a:lnRef>
+          <a:fillRef idx="0">
+            <a:schemeClr val="dk1"/>
+          </a:fillRef>
+          <a:effectRef idx="0">
+            <a:schemeClr val="dk1"/>
+          </a:effectRef>
+          <a:fontRef idx="minor">
+            <a:schemeClr val="tx1"/>
+          </a:fontRef>
+        </p:style>
+      </p:cxnSp>
+      <p:cxnSp>
+        <p:nvCxnSpPr>
+          <p:cNvPr id="42" name="直線コネクタ 41">
+            <a:extLst>
+              <a:ext uri="{FF2B5EF4-FFF2-40B4-BE49-F238E27FC236}">
+                <a16:creationId xmlns:a16="http://schemas.microsoft.com/office/drawing/2014/main" id="{62B9A9CC-A8E5-C843-1524-4096E93D8F93}"/>
+              </a:ext>
+            </a:extLst>
+          </p:cNvPr>
+          <p:cNvCxnSpPr>
+            <a:cxnSpLocks/>
+          </p:cNvCxnSpPr>
+          <p:nvPr/>
+        </p:nvCxnSpPr>
+        <p:spPr>
+          <a:xfrm>
+            <a:off x="7578533" y="4566155"/>
+            <a:ext cx="308904" cy="0"/>
+          </a:xfrm>
+          <a:prstGeom prst="line">
+            <a:avLst/>
+          </a:prstGeom>
+          <a:ln w="19050"/>
+        </p:spPr>
+        <p:style>
+          <a:lnRef idx="1">
+            <a:schemeClr val="dk1"/>
+          </a:lnRef>
+          <a:fillRef idx="0">
+            <a:schemeClr val="dk1"/>
+          </a:fillRef>
+          <a:effectRef idx="0">
+            <a:schemeClr val="dk1"/>
+          </a:effectRef>
+          <a:fontRef idx="minor">
+            <a:schemeClr val="tx1"/>
+          </a:fontRef>
+        </p:style>
+      </p:cxnSp>
+      <p:cxnSp>
+        <p:nvCxnSpPr>
+          <p:cNvPr id="43" name="直線コネクタ 42">
+            <a:extLst>
+              <a:ext uri="{FF2B5EF4-FFF2-40B4-BE49-F238E27FC236}">
+                <a16:creationId xmlns:a16="http://schemas.microsoft.com/office/drawing/2014/main" id="{682094E5-61FE-1CE7-8DC4-46E8E0FDB93D}"/>
+              </a:ext>
+            </a:extLst>
+          </p:cNvPr>
+          <p:cNvCxnSpPr>
+            <a:cxnSpLocks/>
+          </p:cNvCxnSpPr>
+          <p:nvPr/>
+        </p:nvCxnSpPr>
+        <p:spPr>
+          <a:xfrm>
+            <a:off x="7657360" y="4647609"/>
+            <a:ext cx="151249" cy="0"/>
+          </a:xfrm>
+          <a:prstGeom prst="line">
+            <a:avLst/>
+          </a:prstGeom>
+          <a:ln w="19050"/>
+        </p:spPr>
+        <p:style>
+          <a:lnRef idx="1">
+            <a:schemeClr val="dk1"/>
+          </a:lnRef>
+          <a:fillRef idx="0">
+            <a:schemeClr val="dk1"/>
+          </a:fillRef>
+          <a:effectRef idx="0">
+            <a:schemeClr val="dk1"/>
+          </a:effectRef>
+          <a:fontRef idx="minor">
+            <a:schemeClr val="tx1"/>
+          </a:fontRef>
+        </p:style>
+      </p:cxnSp>
+      <p:cxnSp>
+        <p:nvCxnSpPr>
+          <p:cNvPr id="45" name="直線矢印コネクタ 44">
+            <a:extLst>
+              <a:ext uri="{FF2B5EF4-FFF2-40B4-BE49-F238E27FC236}">
+                <a16:creationId xmlns:a16="http://schemas.microsoft.com/office/drawing/2014/main" id="{898FED7D-48DE-7E7D-7BD1-9AD1DEFE2C86}"/>
+              </a:ext>
+            </a:extLst>
+          </p:cNvPr>
+          <p:cNvCxnSpPr>
+            <a:cxnSpLocks/>
+          </p:cNvCxnSpPr>
+          <p:nvPr/>
+        </p:nvCxnSpPr>
+        <p:spPr>
+          <a:xfrm flipV="1">
+            <a:off x="7732984" y="3573517"/>
+            <a:ext cx="0" cy="919065"/>
+          </a:xfrm>
+          <a:prstGeom prst="straightConnector1">
+            <a:avLst/>
+          </a:prstGeom>
+          <a:ln>
+            <a:headEnd type="none" w="med" len="med"/>
+            <a:tailEnd type="arrow" w="med" len="med"/>
+          </a:ln>
+        </p:spPr>
+        <p:style>
+          <a:lnRef idx="1">
+            <a:schemeClr val="dk1"/>
+          </a:lnRef>
+          <a:fillRef idx="0">
+            <a:schemeClr val="dk1"/>
+          </a:fillRef>
+          <a:effectRef idx="0">
+            <a:schemeClr val="dk1"/>
+          </a:effectRef>
+          <a:fontRef idx="minor">
+            <a:schemeClr val="tx1"/>
+          </a:fontRef>
+        </p:style>
+      </p:cxnSp>
+      <p:cxnSp>
+        <p:nvCxnSpPr>
+          <p:cNvPr id="53" name="カギ線コネクタ 52">
+            <a:extLst>
+              <a:ext uri="{FF2B5EF4-FFF2-40B4-BE49-F238E27FC236}">
+                <a16:creationId xmlns:a16="http://schemas.microsoft.com/office/drawing/2014/main" id="{BDB0563C-CB71-EDD4-FA9C-0E260FB45673}"/>
+              </a:ext>
+            </a:extLst>
+          </p:cNvPr>
+          <p:cNvCxnSpPr>
+            <a:cxnSpLocks/>
+          </p:cNvCxnSpPr>
+          <p:nvPr/>
+        </p:nvCxnSpPr>
+        <p:spPr>
+          <a:xfrm rot="5400000">
+            <a:off x="4872667" y="2295326"/>
+            <a:ext cx="1034606" cy="682000"/>
+          </a:xfrm>
+          <a:prstGeom prst="bentConnector3">
+            <a:avLst>
+              <a:gd name="adj1" fmla="val 1198"/>
+            </a:avLst>
+          </a:prstGeom>
+          <a:ln w="19050"/>
+        </p:spPr>
+        <p:style>
+          <a:lnRef idx="1">
+            <a:schemeClr val="dk1"/>
+          </a:lnRef>
+          <a:fillRef idx="0">
+            <a:schemeClr val="dk1"/>
+          </a:fillRef>
+          <a:effectRef idx="0">
+            <a:schemeClr val="dk1"/>
+          </a:effectRef>
+          <a:fontRef idx="minor">
+            <a:schemeClr val="tx1"/>
+          </a:fontRef>
+        </p:style>
+      </p:cxnSp>
+      <p:cxnSp>
+        <p:nvCxnSpPr>
+          <p:cNvPr id="60" name="カギ線コネクタ 59">
+            <a:extLst>
+              <a:ext uri="{FF2B5EF4-FFF2-40B4-BE49-F238E27FC236}">
+                <a16:creationId xmlns:a16="http://schemas.microsoft.com/office/drawing/2014/main" id="{86F7D0CE-5F84-F2E7-0AB1-15DD4267400B}"/>
+              </a:ext>
+            </a:extLst>
+          </p:cNvPr>
+          <p:cNvCxnSpPr>
+            <a:cxnSpLocks/>
+            <a:stCxn id="98" idx="3"/>
+          </p:cNvCxnSpPr>
+          <p:nvPr/>
+        </p:nvCxnSpPr>
+        <p:spPr>
+          <a:xfrm>
+            <a:off x="6513495" y="2138757"/>
+            <a:ext cx="731056" cy="1278817"/>
+          </a:xfrm>
+          <a:prstGeom prst="bentConnector2">
+            <a:avLst/>
+          </a:prstGeom>
+          <a:ln w="19050"/>
+        </p:spPr>
+        <p:style>
+          <a:lnRef idx="1">
+            <a:schemeClr val="dk1"/>
+          </a:lnRef>
+          <a:fillRef idx="0">
+            <a:schemeClr val="dk1"/>
+          </a:fillRef>
+          <a:effectRef idx="0">
+            <a:schemeClr val="dk1"/>
+          </a:effectRef>
+          <a:fontRef idx="minor">
+            <a:schemeClr val="tx1"/>
+          </a:fontRef>
+        </p:style>
+      </p:cxnSp>
+      <p:sp>
+        <p:nvSpPr>
+          <p:cNvPr id="65" name="円/楕円 64">
+            <a:extLst>
+              <a:ext uri="{FF2B5EF4-FFF2-40B4-BE49-F238E27FC236}">
+                <a16:creationId xmlns:a16="http://schemas.microsoft.com/office/drawing/2014/main" id="{88DFFDF9-EBE3-F281-903E-BB5BEC56D6B3}"/>
+              </a:ext>
+            </a:extLst>
+          </p:cNvPr>
+          <p:cNvSpPr/>
+          <p:nvPr/>
+        </p:nvSpPr>
+        <p:spPr>
+          <a:xfrm>
+            <a:off x="2887895" y="3063568"/>
+            <a:ext cx="141889" cy="141890"/>
+          </a:xfrm>
+          <a:prstGeom prst="ellipse">
+            <a:avLst/>
+          </a:prstGeom>
+          <a:noFill/>
+          <a:ln w="19050">
+            <a:solidFill>
+              <a:schemeClr val="tx1"/>
+            </a:solidFill>
+          </a:ln>
+        </p:spPr>
+        <p:style>
+          <a:lnRef idx="2">
+            <a:schemeClr val="accent1">
+              <a:shade val="50000"/>
+            </a:schemeClr>
+          </a:lnRef>
+          <a:fillRef idx="1">
+            <a:schemeClr val="accent1"/>
+          </a:fillRef>
+          <a:effectRef idx="0">
+            <a:schemeClr val="accent1"/>
+          </a:effectRef>
+          <a:fontRef idx="minor">
+            <a:schemeClr val="lt1"/>
+          </a:fontRef>
+        </p:style>
+        <p:txBody>
+          <a:bodyPr rtlCol="0" anchor="ctr"/>
+          <a:lstStyle/>
+          <a:p>
+            <a:pPr algn="ctr"/>
+            <a:endParaRPr kumimoji="1" lang="ja-JP" altLang="en-US"/>
+          </a:p>
+        </p:txBody>
+      </p:sp>
+      <p:cxnSp>
+        <p:nvCxnSpPr>
+          <p:cNvPr id="66" name="直線コネクタ 65">
+            <a:extLst>
+              <a:ext uri="{FF2B5EF4-FFF2-40B4-BE49-F238E27FC236}">
+                <a16:creationId xmlns:a16="http://schemas.microsoft.com/office/drawing/2014/main" id="{57B26E69-9C9D-51A0-1CF5-D72AD2D5C129}"/>
+              </a:ext>
+            </a:extLst>
+          </p:cNvPr>
+          <p:cNvCxnSpPr>
+            <a:cxnSpLocks/>
+          </p:cNvCxnSpPr>
+          <p:nvPr/>
+        </p:nvCxnSpPr>
+        <p:spPr>
+          <a:xfrm>
+            <a:off x="2733792" y="4492582"/>
+            <a:ext cx="450098" cy="0"/>
+          </a:xfrm>
+          <a:prstGeom prst="line">
+            <a:avLst/>
+          </a:prstGeom>
+          <a:ln w="19050"/>
+        </p:spPr>
+        <p:style>
+          <a:lnRef idx="1">
+            <a:schemeClr val="dk1"/>
+          </a:lnRef>
+          <a:fillRef idx="0">
+            <a:schemeClr val="dk1"/>
+          </a:fillRef>
+          <a:effectRef idx="0">
+            <a:schemeClr val="dk1"/>
+          </a:effectRef>
+          <a:fontRef idx="minor">
+            <a:schemeClr val="tx1"/>
+          </a:fontRef>
+        </p:style>
+      </p:cxnSp>
+      <p:cxnSp>
+        <p:nvCxnSpPr>
+          <p:cNvPr id="67" name="直線コネクタ 66">
+            <a:extLst>
+              <a:ext uri="{FF2B5EF4-FFF2-40B4-BE49-F238E27FC236}">
+                <a16:creationId xmlns:a16="http://schemas.microsoft.com/office/drawing/2014/main" id="{595C6935-BB2C-C683-5E37-A4DD4901111E}"/>
+              </a:ext>
+            </a:extLst>
+          </p:cNvPr>
+          <p:cNvCxnSpPr>
+            <a:cxnSpLocks/>
+          </p:cNvCxnSpPr>
+          <p:nvPr/>
+        </p:nvCxnSpPr>
+        <p:spPr>
+          <a:xfrm>
+            <a:off x="2804387" y="4566155"/>
+            <a:ext cx="308904" cy="0"/>
+          </a:xfrm>
+          <a:prstGeom prst="line">
+            <a:avLst/>
+          </a:prstGeom>
+          <a:ln w="19050"/>
+        </p:spPr>
+        <p:style>
+          <a:lnRef idx="1">
+            <a:schemeClr val="dk1"/>
+          </a:lnRef>
+          <a:fillRef idx="0">
+            <a:schemeClr val="dk1"/>
+          </a:fillRef>
+          <a:effectRef idx="0">
+            <a:schemeClr val="dk1"/>
+          </a:effectRef>
+          <a:fontRef idx="minor">
+            <a:schemeClr val="tx1"/>
+          </a:fontRef>
+        </p:style>
+      </p:cxnSp>
+      <p:cxnSp>
+        <p:nvCxnSpPr>
+          <p:cNvPr id="68" name="直線コネクタ 67">
+            <a:extLst>
+              <a:ext uri="{FF2B5EF4-FFF2-40B4-BE49-F238E27FC236}">
+                <a16:creationId xmlns:a16="http://schemas.microsoft.com/office/drawing/2014/main" id="{C7CAE9F1-D766-B1D0-77FA-DAB3A48422CF}"/>
+              </a:ext>
+            </a:extLst>
+          </p:cNvPr>
+          <p:cNvCxnSpPr>
+            <a:cxnSpLocks/>
+          </p:cNvCxnSpPr>
+          <p:nvPr/>
+        </p:nvCxnSpPr>
+        <p:spPr>
+          <a:xfrm>
+            <a:off x="2883214" y="4647609"/>
+            <a:ext cx="151249" cy="0"/>
+          </a:xfrm>
+          <a:prstGeom prst="line">
+            <a:avLst/>
+          </a:prstGeom>
+          <a:ln w="19050"/>
+        </p:spPr>
+        <p:style>
+          <a:lnRef idx="1">
+            <a:schemeClr val="dk1"/>
+          </a:lnRef>
+          <a:fillRef idx="0">
+            <a:schemeClr val="dk1"/>
+          </a:fillRef>
+          <a:effectRef idx="0">
+            <a:schemeClr val="dk1"/>
+          </a:effectRef>
+          <a:fontRef idx="minor">
+            <a:schemeClr val="tx1"/>
+          </a:fontRef>
+        </p:style>
+      </p:cxnSp>
+      <p:cxnSp>
+        <p:nvCxnSpPr>
+          <p:cNvPr id="69" name="直線矢印コネクタ 68">
+            <a:extLst>
+              <a:ext uri="{FF2B5EF4-FFF2-40B4-BE49-F238E27FC236}">
+                <a16:creationId xmlns:a16="http://schemas.microsoft.com/office/drawing/2014/main" id="{92FABE7F-E870-CB41-720A-92519C34BF9B}"/>
+              </a:ext>
+            </a:extLst>
+          </p:cNvPr>
+          <p:cNvCxnSpPr>
+            <a:cxnSpLocks/>
+          </p:cNvCxnSpPr>
+          <p:nvPr/>
+        </p:nvCxnSpPr>
+        <p:spPr>
+          <a:xfrm flipV="1">
+            <a:off x="2958838" y="3267986"/>
+            <a:ext cx="0" cy="1224596"/>
+          </a:xfrm>
+          <a:prstGeom prst="straightConnector1">
+            <a:avLst/>
+          </a:prstGeom>
+          <a:ln>
+            <a:headEnd type="none" w="med" len="med"/>
+            <a:tailEnd type="arrow" w="med" len="med"/>
+          </a:ln>
+        </p:spPr>
+        <p:style>
+          <a:lnRef idx="1">
+            <a:schemeClr val="dk1"/>
+          </a:lnRef>
+          <a:fillRef idx="0">
+            <a:schemeClr val="dk1"/>
+          </a:fillRef>
+          <a:effectRef idx="0">
+            <a:schemeClr val="dk1"/>
+          </a:effectRef>
+          <a:fontRef idx="minor">
+            <a:schemeClr val="tx1"/>
+          </a:fontRef>
+        </p:style>
+      </p:cxnSp>
+      <mc:AlternateContent xmlns:mc="http://schemas.openxmlformats.org/markup-compatibility/2006" xmlns:a14="http://schemas.microsoft.com/office/drawing/2010/main">
+        <mc:Choice Requires="a14">
+          <p:sp>
+            <p:nvSpPr>
+              <p:cNvPr id="72" name="テキスト ボックス 71">
+                <a:extLst>
+                  <a:ext uri="{FF2B5EF4-FFF2-40B4-BE49-F238E27FC236}">
+                    <a16:creationId xmlns:a16="http://schemas.microsoft.com/office/drawing/2014/main" id="{A1C255E3-ADE9-E8DD-3A3E-8923049E4381}"/>
+                  </a:ext>
+                </a:extLst>
+              </p:cNvPr>
+              <p:cNvSpPr txBox="1"/>
+              <p:nvPr/>
+            </p:nvSpPr>
+            <p:spPr>
+              <a:xfrm>
+                <a:off x="2592010" y="3685191"/>
+                <a:ext cx="263149" cy="276999"/>
+              </a:xfrm>
+              <a:prstGeom prst="rect">
+                <a:avLst/>
+              </a:prstGeom>
+              <a:noFill/>
+            </p:spPr>
+            <p:txBody>
+              <a:bodyPr wrap="none" lIns="0" tIns="0" rIns="0" bIns="0" rtlCol="0">
+                <a:spAutoFit/>
+              </a:bodyPr>
+              <a:lstStyle/>
+              <a:p>
+                <a:pPr/>
+                <a14:m>
+                  <m:oMathPara xmlns:m="http://schemas.openxmlformats.org/officeDocument/2006/math">
+                    <m:oMathParaPr>
+                      <m:jc m:val="centerGroup"/>
+                    </m:oMathParaPr>
+                    <m:oMath xmlns:m="http://schemas.openxmlformats.org/officeDocument/2006/math">
+                      <m:sSub>
+                        <m:sSubPr>
+                          <m:ctrlPr>
+                            <a:rPr kumimoji="1" lang="en-US" altLang="ja-JP" i="1" smtClean="0">
+                              <a:latin typeface="Cambria Math" panose="02040503050406030204" pitchFamily="18" charset="0"/>
+                            </a:rPr>
+                          </m:ctrlPr>
+                        </m:sSubPr>
+                        <m:e>
+                          <m:r>
+                            <a:rPr kumimoji="1" lang="en-US" altLang="ja-JP" b="0" i="1" smtClean="0">
+                              <a:latin typeface="Cambria Math" panose="02040503050406030204" pitchFamily="18" charset="0"/>
+                            </a:rPr>
+                            <m:t>𝑣</m:t>
+                          </m:r>
+                        </m:e>
+                        <m:sub>
+                          <m:r>
+                            <a:rPr kumimoji="1" lang="en-US" altLang="ja-JP" b="0" i="1" smtClean="0">
+                              <a:latin typeface="Cambria Math" panose="02040503050406030204" pitchFamily="18" charset="0"/>
+                            </a:rPr>
+                            <m:t>𝑖</m:t>
+                          </m:r>
+                        </m:sub>
+                      </m:sSub>
+                    </m:oMath>
+                  </m:oMathPara>
+                </a14:m>
+                <a:endParaRPr kumimoji="1" lang="ja-JP" altLang="en-US"/>
+              </a:p>
+            </p:txBody>
+          </p:sp>
+        </mc:Choice>
+        <mc:Fallback xmlns="">
           <p:sp>
             <p:nvSpPr>
               <p:cNvPr id="72" name="テキスト ボックス 71">
@@ -6468,8 +8405,8 @@
           </a:fontRef>
         </p:style>
       </p:cxnSp>
-      <mc:AlternateContent xmlns:mc="http://schemas.openxmlformats.org/markup-compatibility/2006">
-        <mc:Choice xmlns:a14="http://schemas.microsoft.com/office/drawing/2010/main" Requires="a14">
+      <mc:AlternateContent xmlns:mc="http://schemas.openxmlformats.org/markup-compatibility/2006" xmlns:a14="http://schemas.microsoft.com/office/drawing/2010/main">
+        <mc:Choice Requires="a14">
           <p:sp>
             <p:nvSpPr>
               <p:cNvPr id="78" name="テキスト ボックス 77">
@@ -6498,6 +8435,7 @@
               </a:bodyPr>
               <a:lstStyle/>
               <a:p>
+                <a:pPr/>
                 <a14:m>
                   <m:oMathPara xmlns:m="http://schemas.openxmlformats.org/officeDocument/2006/math">
                     <m:oMathParaPr>
@@ -6518,7 +8456,7 @@
             </p:txBody>
           </p:sp>
         </mc:Choice>
-        <mc:Fallback>
+        <mc:Fallback xmlns="">
           <p:sp>
             <p:nvSpPr>
               <p:cNvPr id="78" name="テキスト ボックス 77">
@@ -6604,8 +8542,8 @@
           </a:fontRef>
         </p:style>
       </p:cxnSp>
-      <mc:AlternateContent xmlns:mc="http://schemas.openxmlformats.org/markup-compatibility/2006">
-        <mc:Choice xmlns:a14="http://schemas.microsoft.com/office/drawing/2010/main" Requires="a14">
+      <mc:AlternateContent xmlns:mc="http://schemas.openxmlformats.org/markup-compatibility/2006" xmlns:a14="http://schemas.microsoft.com/office/drawing/2010/main">
+        <mc:Choice Requires="a14">
           <p:sp>
             <p:nvSpPr>
               <p:cNvPr id="81" name="テキスト ボックス 80">
@@ -6634,6 +8572,7 @@
               </a:bodyPr>
               <a:lstStyle/>
               <a:p>
+                <a:pPr/>
                 <a14:m>
                   <m:oMathPara xmlns:m="http://schemas.openxmlformats.org/officeDocument/2006/math">
                     <m:oMathParaPr>
@@ -6673,7 +8612,7 @@
             </p:txBody>
           </p:sp>
         </mc:Choice>
-        <mc:Fallback>
+        <mc:Fallback xmlns="">
           <p:sp>
             <p:nvSpPr>
               <p:cNvPr id="81" name="テキスト ボックス 80">
@@ -6811,8 +8750,8 @@
           </a:p>
         </p:txBody>
       </p:sp>
-      <mc:AlternateContent xmlns:mc="http://schemas.openxmlformats.org/markup-compatibility/2006">
-        <mc:Choice xmlns:a14="http://schemas.microsoft.com/office/drawing/2010/main" Requires="a14">
+      <mc:AlternateContent xmlns:mc="http://schemas.openxmlformats.org/markup-compatibility/2006" xmlns:a14="http://schemas.microsoft.com/office/drawing/2010/main">
+        <mc:Choice Requires="a14">
           <p:sp>
             <p:nvSpPr>
               <p:cNvPr id="96" name="テキスト ボックス 95">
@@ -6841,6 +8780,7 @@
               </a:bodyPr>
               <a:lstStyle/>
               <a:p>
+                <a:pPr/>
                 <a14:m>
                   <m:oMathPara xmlns:m="http://schemas.openxmlformats.org/officeDocument/2006/math">
                     <m:oMathParaPr>
@@ -6880,7 +8820,7 @@
             </p:txBody>
           </p:sp>
         </mc:Choice>
-        <mc:Fallback>
+        <mc:Fallback xmlns="">
           <p:sp>
             <p:nvSpPr>
               <p:cNvPr id="96" name="テキスト ボックス 95">
@@ -6979,8 +8919,8 @@
           </a:p>
         </p:txBody>
       </p:sp>
-      <mc:AlternateContent xmlns:mc="http://schemas.openxmlformats.org/markup-compatibility/2006">
-        <mc:Choice xmlns:a14="http://schemas.microsoft.com/office/drawing/2010/main" Requires="a14">
+      <mc:AlternateContent xmlns:mc="http://schemas.openxmlformats.org/markup-compatibility/2006" xmlns:a14="http://schemas.microsoft.com/office/drawing/2010/main">
+        <mc:Choice Requires="a14">
           <p:sp>
             <p:nvSpPr>
               <p:cNvPr id="99" name="テキスト ボックス 98">
@@ -7009,6 +8949,7 @@
               </a:bodyPr>
               <a:lstStyle/>
               <a:p>
+                <a:pPr/>
                 <a14:m>
                   <m:oMathPara xmlns:m="http://schemas.openxmlformats.org/officeDocument/2006/math">
                     <m:oMathParaPr>
@@ -7048,7 +8989,7 @@
             </p:txBody>
           </p:sp>
         </mc:Choice>
-        <mc:Fallback>
+        <mc:Fallback xmlns="">
           <p:sp>
             <p:nvSpPr>
               <p:cNvPr id="99" name="テキスト ボックス 98">
@@ -7093,8 +9034,8 @@
           </p:sp>
         </mc:Fallback>
       </mc:AlternateContent>
-      <mc:AlternateContent xmlns:mc="http://schemas.openxmlformats.org/markup-compatibility/2006">
-        <mc:Choice xmlns:a14="http://schemas.microsoft.com/office/drawing/2010/main" Requires="a14">
+      <mc:AlternateContent xmlns:mc="http://schemas.openxmlformats.org/markup-compatibility/2006" xmlns:a14="http://schemas.microsoft.com/office/drawing/2010/main">
+        <mc:Choice Requires="a14">
           <p:sp>
             <p:nvSpPr>
               <p:cNvPr id="101" name="テキスト ボックス 100">
@@ -7123,6 +9064,7 @@
               </a:bodyPr>
               <a:lstStyle/>
               <a:p>
+                <a:pPr/>
                 <a14:m>
                   <m:oMathPara xmlns:m="http://schemas.openxmlformats.org/officeDocument/2006/math">
                     <m:oMathParaPr>
@@ -7162,7 +9104,7 @@
             </p:txBody>
           </p:sp>
         </mc:Choice>
-        <mc:Fallback>
+        <mc:Fallback xmlns="">
           <p:sp>
             <p:nvSpPr>
               <p:cNvPr id="101" name="テキスト ボックス 100">
@@ -7220,7 +9162,7 @@
 </p:sld>
 </file>
 
-<file path=ppt/slides/slide3.xml><?xml version="1.0" encoding="utf-8"?>
+<file path=ppt/slides/slide4.xml><?xml version="1.0" encoding="utf-8"?>
 <p:sld xmlns:a="http://schemas.openxmlformats.org/drawingml/2006/main" xmlns:r="http://schemas.openxmlformats.org/officeDocument/2006/relationships" xmlns:p="http://schemas.openxmlformats.org/presentationml/2006/main">
   <p:cSld>
     <p:spTree>
@@ -8200,8 +10142,8 @@
           </a:fontRef>
         </p:style>
       </p:cxnSp>
-      <mc:AlternateContent xmlns:mc="http://schemas.openxmlformats.org/markup-compatibility/2006">
-        <mc:Choice xmlns:a14="http://schemas.microsoft.com/office/drawing/2010/main" Requires="a14">
+      <mc:AlternateContent xmlns:mc="http://schemas.openxmlformats.org/markup-compatibility/2006" xmlns:a14="http://schemas.microsoft.com/office/drawing/2010/main">
+        <mc:Choice Requires="a14">
           <p:sp>
             <p:nvSpPr>
               <p:cNvPr id="72" name="テキスト ボックス 71">
@@ -8230,6 +10172,7 @@
               </a:bodyPr>
               <a:lstStyle/>
               <a:p>
+                <a:pPr/>
                 <a14:m>
                   <m:oMathPara xmlns:m="http://schemas.openxmlformats.org/officeDocument/2006/math">
                     <m:oMathParaPr>
@@ -8269,7 +10212,7 @@
             </p:txBody>
           </p:sp>
         </mc:Choice>
-        <mc:Fallback>
+        <mc:Fallback xmlns="">
           <p:sp>
             <p:nvSpPr>
               <p:cNvPr id="72" name="テキスト ボックス 71">
@@ -8355,8 +10298,8 @@
           </a:fontRef>
         </p:style>
       </p:cxnSp>
-      <mc:AlternateContent xmlns:mc="http://schemas.openxmlformats.org/markup-compatibility/2006">
-        <mc:Choice xmlns:a14="http://schemas.microsoft.com/office/drawing/2010/main" Requires="a14">
+      <mc:AlternateContent xmlns:mc="http://schemas.openxmlformats.org/markup-compatibility/2006" xmlns:a14="http://schemas.microsoft.com/office/drawing/2010/main">
+        <mc:Choice Requires="a14">
           <p:sp>
             <p:nvSpPr>
               <p:cNvPr id="78" name="テキスト ボックス 77">
@@ -8385,6 +10328,7 @@
               </a:bodyPr>
               <a:lstStyle/>
               <a:p>
+                <a:pPr/>
                 <a14:m>
                   <m:oMathPara xmlns:m="http://schemas.openxmlformats.org/officeDocument/2006/math">
                     <m:oMathParaPr>
@@ -8405,7 +10349,7 @@
             </p:txBody>
           </p:sp>
         </mc:Choice>
-        <mc:Fallback>
+        <mc:Fallback xmlns="">
           <p:sp>
             <p:nvSpPr>
               <p:cNvPr id="78" name="テキスト ボックス 77">
@@ -8489,8 +10433,8 @@
           </a:fontRef>
         </p:style>
       </p:cxnSp>
-      <mc:AlternateContent xmlns:mc="http://schemas.openxmlformats.org/markup-compatibility/2006">
-        <mc:Choice xmlns:a14="http://schemas.microsoft.com/office/drawing/2010/main" Requires="a14">
+      <mc:AlternateContent xmlns:mc="http://schemas.openxmlformats.org/markup-compatibility/2006" xmlns:a14="http://schemas.microsoft.com/office/drawing/2010/main">
+        <mc:Choice Requires="a14">
           <p:sp>
             <p:nvSpPr>
               <p:cNvPr id="96" name="テキスト ボックス 95">
@@ -8519,6 +10463,7 @@
               </a:bodyPr>
               <a:lstStyle/>
               <a:p>
+                <a:pPr/>
                 <a14:m>
                   <m:oMathPara xmlns:m="http://schemas.openxmlformats.org/officeDocument/2006/math">
                     <m:oMathParaPr>
@@ -8558,7 +10503,7 @@
             </p:txBody>
           </p:sp>
         </mc:Choice>
-        <mc:Fallback>
+        <mc:Fallback xmlns="">
           <p:sp>
             <p:nvSpPr>
               <p:cNvPr id="96" name="テキスト ボックス 95">
@@ -8657,8 +10602,8 @@
           </a:p>
         </p:txBody>
       </p:sp>
-      <mc:AlternateContent xmlns:mc="http://schemas.openxmlformats.org/markup-compatibility/2006">
-        <mc:Choice xmlns:a14="http://schemas.microsoft.com/office/drawing/2010/main" Requires="a14">
+      <mc:AlternateContent xmlns:mc="http://schemas.openxmlformats.org/markup-compatibility/2006" xmlns:a14="http://schemas.microsoft.com/office/drawing/2010/main">
+        <mc:Choice Requires="a14">
           <p:sp>
             <p:nvSpPr>
               <p:cNvPr id="99" name="テキスト ボックス 98">
@@ -8687,6 +10632,7 @@
               </a:bodyPr>
               <a:lstStyle/>
               <a:p>
+                <a:pPr/>
                 <a14:m>
                   <m:oMathPara xmlns:m="http://schemas.openxmlformats.org/officeDocument/2006/math">
                     <m:oMathParaPr>
@@ -8726,7 +10672,7 @@
             </p:txBody>
           </p:sp>
         </mc:Choice>
-        <mc:Fallback>
+        <mc:Fallback xmlns="">
           <p:sp>
             <p:nvSpPr>
               <p:cNvPr id="99" name="テキスト ボックス 98">
@@ -8849,8 +10795,8 @@
           </a:fontRef>
         </p:style>
       </p:cxnSp>
-      <mc:AlternateContent xmlns:mc="http://schemas.openxmlformats.org/markup-compatibility/2006">
-        <mc:Choice xmlns:a14="http://schemas.microsoft.com/office/drawing/2010/main" Requires="a14">
+      <mc:AlternateContent xmlns:mc="http://schemas.openxmlformats.org/markup-compatibility/2006" xmlns:a14="http://schemas.microsoft.com/office/drawing/2010/main">
+        <mc:Choice Requires="a14">
           <p:sp>
             <p:nvSpPr>
               <p:cNvPr id="19" name="テキスト ボックス 18">
@@ -8879,6 +10825,7 @@
               </a:bodyPr>
               <a:lstStyle/>
               <a:p>
+                <a:pPr/>
                 <a14:m>
                   <m:oMathPara xmlns:m="http://schemas.openxmlformats.org/officeDocument/2006/math">
                     <m:oMathParaPr>
@@ -8918,7 +10865,7 @@
             </p:txBody>
           </p:sp>
         </mc:Choice>
-        <mc:Fallback>
+        <mc:Fallback xmlns="">
           <p:sp>
             <p:nvSpPr>
               <p:cNvPr id="19" name="テキスト ボックス 18">
@@ -9004,8 +10951,8 @@
           </a:fontRef>
         </p:style>
       </p:cxnSp>
-      <mc:AlternateContent xmlns:mc="http://schemas.openxmlformats.org/markup-compatibility/2006">
-        <mc:Choice xmlns:a14="http://schemas.microsoft.com/office/drawing/2010/main" Requires="a14">
+      <mc:AlternateContent xmlns:mc="http://schemas.openxmlformats.org/markup-compatibility/2006" xmlns:a14="http://schemas.microsoft.com/office/drawing/2010/main">
+        <mc:Choice Requires="a14">
           <p:sp>
             <p:nvSpPr>
               <p:cNvPr id="21" name="テキスト ボックス 20">
@@ -9034,6 +10981,7 @@
               </a:bodyPr>
               <a:lstStyle/>
               <a:p>
+                <a:pPr/>
                 <a14:m>
                   <m:oMathPara xmlns:m="http://schemas.openxmlformats.org/officeDocument/2006/math">
                     <m:oMathParaPr>
@@ -9073,7 +11021,7 @@
             </p:txBody>
           </p:sp>
         </mc:Choice>
-        <mc:Fallback>
+        <mc:Fallback xmlns="">
           <p:sp>
             <p:nvSpPr>
               <p:cNvPr id="21" name="テキスト ボックス 20">
@@ -9131,7 +11079,7 @@
 </p:sld>
 </file>
 
-<file path=ppt/slides/slide4.xml><?xml version="1.0" encoding="utf-8"?>
+<file path=ppt/slides/slide5.xml><?xml version="1.0" encoding="utf-8"?>
 <p:sld xmlns:a="http://schemas.openxmlformats.org/drawingml/2006/main" xmlns:r="http://schemas.openxmlformats.org/officeDocument/2006/relationships" xmlns:p="http://schemas.openxmlformats.org/presentationml/2006/main">
   <p:cSld>
     <p:spTree>
@@ -10111,8 +12059,8 @@
           </a:fontRef>
         </p:style>
       </p:cxnSp>
-      <mc:AlternateContent xmlns:mc="http://schemas.openxmlformats.org/markup-compatibility/2006">
-        <mc:Choice xmlns:a14="http://schemas.microsoft.com/office/drawing/2010/main" Requires="a14">
+      <mc:AlternateContent xmlns:mc="http://schemas.openxmlformats.org/markup-compatibility/2006" xmlns:a14="http://schemas.microsoft.com/office/drawing/2010/main">
+        <mc:Choice Requires="a14">
           <p:sp>
             <p:nvSpPr>
               <p:cNvPr id="72" name="テキスト ボックス 71">
@@ -10141,6 +12089,7 @@
               </a:bodyPr>
               <a:lstStyle/>
               <a:p>
+                <a:pPr/>
                 <a14:m>
                   <m:oMathPara xmlns:m="http://schemas.openxmlformats.org/officeDocument/2006/math">
                     <m:oMathParaPr>
@@ -10180,7 +12129,7 @@
             </p:txBody>
           </p:sp>
         </mc:Choice>
-        <mc:Fallback>
+        <mc:Fallback xmlns="">
           <p:sp>
             <p:nvSpPr>
               <p:cNvPr id="72" name="テキスト ボックス 71">
@@ -10266,8 +12215,8 @@
           </a:fontRef>
         </p:style>
       </p:cxnSp>
-      <mc:AlternateContent xmlns:mc="http://schemas.openxmlformats.org/markup-compatibility/2006">
-        <mc:Choice xmlns:a14="http://schemas.microsoft.com/office/drawing/2010/main" Requires="a14">
+      <mc:AlternateContent xmlns:mc="http://schemas.openxmlformats.org/markup-compatibility/2006" xmlns:a14="http://schemas.microsoft.com/office/drawing/2010/main">
+        <mc:Choice Requires="a14">
           <p:sp>
             <p:nvSpPr>
               <p:cNvPr id="78" name="テキスト ボックス 77">
@@ -10296,6 +12245,7 @@
               </a:bodyPr>
               <a:lstStyle/>
               <a:p>
+                <a:pPr/>
                 <a14:m>
                   <m:oMathPara xmlns:m="http://schemas.openxmlformats.org/officeDocument/2006/math">
                     <m:oMathParaPr>
@@ -10316,7 +12266,7 @@
             </p:txBody>
           </p:sp>
         </mc:Choice>
-        <mc:Fallback>
+        <mc:Fallback xmlns="">
           <p:sp>
             <p:nvSpPr>
               <p:cNvPr id="78" name="テキスト ボックス 77">
@@ -10400,8 +12350,8 @@
           </a:fontRef>
         </p:style>
       </p:cxnSp>
-      <mc:AlternateContent xmlns:mc="http://schemas.openxmlformats.org/markup-compatibility/2006">
-        <mc:Choice xmlns:a14="http://schemas.microsoft.com/office/drawing/2010/main" Requires="a14">
+      <mc:AlternateContent xmlns:mc="http://schemas.openxmlformats.org/markup-compatibility/2006" xmlns:a14="http://schemas.microsoft.com/office/drawing/2010/main">
+        <mc:Choice Requires="a14">
           <p:sp>
             <p:nvSpPr>
               <p:cNvPr id="96" name="テキスト ボックス 95">
@@ -10430,6 +12380,7 @@
               </a:bodyPr>
               <a:lstStyle/>
               <a:p>
+                <a:pPr/>
                 <a14:m>
                   <m:oMathPara xmlns:m="http://schemas.openxmlformats.org/officeDocument/2006/math">
                     <m:oMathParaPr>
@@ -10469,7 +12420,7 @@
             </p:txBody>
           </p:sp>
         </mc:Choice>
-        <mc:Fallback>
+        <mc:Fallback xmlns="">
           <p:sp>
             <p:nvSpPr>
               <p:cNvPr id="96" name="テキスト ボックス 95">
@@ -10568,8 +12519,8 @@
           </a:p>
         </p:txBody>
       </p:sp>
-      <mc:AlternateContent xmlns:mc="http://schemas.openxmlformats.org/markup-compatibility/2006">
-        <mc:Choice xmlns:a14="http://schemas.microsoft.com/office/drawing/2010/main" Requires="a14">
+      <mc:AlternateContent xmlns:mc="http://schemas.openxmlformats.org/markup-compatibility/2006" xmlns:a14="http://schemas.microsoft.com/office/drawing/2010/main">
+        <mc:Choice Requires="a14">
           <p:sp>
             <p:nvSpPr>
               <p:cNvPr id="99" name="テキスト ボックス 98">
@@ -10598,6 +12549,7 @@
               </a:bodyPr>
               <a:lstStyle/>
               <a:p>
+                <a:pPr/>
                 <a14:m>
                   <m:oMathPara xmlns:m="http://schemas.openxmlformats.org/officeDocument/2006/math">
                     <m:oMathParaPr>
@@ -10637,7 +12589,7 @@
             </p:txBody>
           </p:sp>
         </mc:Choice>
-        <mc:Fallback>
+        <mc:Fallback xmlns="">
           <p:sp>
             <p:nvSpPr>
               <p:cNvPr id="99" name="テキスト ボックス 98">
@@ -10760,8 +12712,8 @@
           </a:fontRef>
         </p:style>
       </p:cxnSp>
-      <mc:AlternateContent xmlns:mc="http://schemas.openxmlformats.org/markup-compatibility/2006">
-        <mc:Choice xmlns:a14="http://schemas.microsoft.com/office/drawing/2010/main" Requires="a14">
+      <mc:AlternateContent xmlns:mc="http://schemas.openxmlformats.org/markup-compatibility/2006" xmlns:a14="http://schemas.microsoft.com/office/drawing/2010/main">
+        <mc:Choice Requires="a14">
           <p:sp>
             <p:nvSpPr>
               <p:cNvPr id="19" name="テキスト ボックス 18">
@@ -10790,6 +12742,7 @@
               </a:bodyPr>
               <a:lstStyle/>
               <a:p>
+                <a:pPr/>
                 <a14:m>
                   <m:oMathPara xmlns:m="http://schemas.openxmlformats.org/officeDocument/2006/math">
                     <m:oMathParaPr>
@@ -10829,7 +12782,7 @@
             </p:txBody>
           </p:sp>
         </mc:Choice>
-        <mc:Fallback>
+        <mc:Fallback xmlns="">
           <p:sp>
             <p:nvSpPr>
               <p:cNvPr id="19" name="テキスト ボックス 18">
@@ -10915,8 +12868,8 @@
           </a:fontRef>
         </p:style>
       </p:cxnSp>
-      <mc:AlternateContent xmlns:mc="http://schemas.openxmlformats.org/markup-compatibility/2006">
-        <mc:Choice xmlns:a14="http://schemas.microsoft.com/office/drawing/2010/main" Requires="a14">
+      <mc:AlternateContent xmlns:mc="http://schemas.openxmlformats.org/markup-compatibility/2006" xmlns:a14="http://schemas.microsoft.com/office/drawing/2010/main">
+        <mc:Choice Requires="a14">
           <p:sp>
             <p:nvSpPr>
               <p:cNvPr id="21" name="テキスト ボックス 20">
@@ -10945,6 +12898,7 @@
               </a:bodyPr>
               <a:lstStyle/>
               <a:p>
+                <a:pPr/>
                 <a14:m>
                   <m:oMathPara xmlns:m="http://schemas.openxmlformats.org/officeDocument/2006/math">
                     <m:oMathParaPr>
@@ -10984,7 +12938,7 @@
             </p:txBody>
           </p:sp>
         </mc:Choice>
-        <mc:Fallback>
+        <mc:Fallback xmlns="">
           <p:sp>
             <p:nvSpPr>
               <p:cNvPr id="21" name="テキスト ボックス 20">
@@ -11123,8 +13077,8 @@
           </a:fontRef>
         </p:style>
       </p:cxnSp>
-      <mc:AlternateContent xmlns:mc="http://schemas.openxmlformats.org/markup-compatibility/2006">
-        <mc:Choice xmlns:a14="http://schemas.microsoft.com/office/drawing/2010/main" Requires="a14">
+      <mc:AlternateContent xmlns:mc="http://schemas.openxmlformats.org/markup-compatibility/2006" xmlns:a14="http://schemas.microsoft.com/office/drawing/2010/main">
+        <mc:Choice Requires="a14">
           <p:sp>
             <p:nvSpPr>
               <p:cNvPr id="12" name="テキスト ボックス 11">
@@ -11153,6 +13107,7 @@
               </a:bodyPr>
               <a:lstStyle/>
               <a:p>
+                <a:pPr/>
                 <a14:m>
                   <m:oMathPara xmlns:m="http://schemas.openxmlformats.org/officeDocument/2006/math">
                     <m:oMathParaPr>
@@ -11192,7 +13147,7 @@
             </p:txBody>
           </p:sp>
         </mc:Choice>
-        <mc:Fallback>
+        <mc:Fallback xmlns="">
           <p:sp>
             <p:nvSpPr>
               <p:cNvPr id="12" name="テキスト ボックス 11">
@@ -11250,7 +13205,7 @@
 </p:sld>
 </file>
 
-<file path=ppt/slides/slide5.xml><?xml version="1.0" encoding="utf-8"?>
+<file path=ppt/slides/slide6.xml><?xml version="1.0" encoding="utf-8"?>
 <p:sld xmlns:a="http://schemas.openxmlformats.org/drawingml/2006/main" xmlns:r="http://schemas.openxmlformats.org/officeDocument/2006/relationships" xmlns:p="http://schemas.openxmlformats.org/presentationml/2006/main">
   <p:cSld>
     <p:spTree>
@@ -12231,8 +14186,8 @@
           </a:fontRef>
         </p:style>
       </p:cxnSp>
-      <mc:AlternateContent xmlns:mc="http://schemas.openxmlformats.org/markup-compatibility/2006">
-        <mc:Choice xmlns:a14="http://schemas.microsoft.com/office/drawing/2010/main" Requires="a14">
+      <mc:AlternateContent xmlns:mc="http://schemas.openxmlformats.org/markup-compatibility/2006" xmlns:a14="http://schemas.microsoft.com/office/drawing/2010/main">
+        <mc:Choice Requires="a14">
           <p:sp>
             <p:nvSpPr>
               <p:cNvPr id="72" name="テキスト ボックス 71">
@@ -12261,6 +14216,7 @@
               </a:bodyPr>
               <a:lstStyle/>
               <a:p>
+                <a:pPr/>
                 <a14:m>
                   <m:oMathPara xmlns:m="http://schemas.openxmlformats.org/officeDocument/2006/math">
                     <m:oMathParaPr>
@@ -12300,7 +14256,7 @@
             </p:txBody>
           </p:sp>
         </mc:Choice>
-        <mc:Fallback>
+        <mc:Fallback xmlns="">
           <p:sp>
             <p:nvSpPr>
               <p:cNvPr id="72" name="テキスト ボックス 71">
@@ -12386,8 +14342,8 @@
           </a:fontRef>
         </p:style>
       </p:cxnSp>
-      <mc:AlternateContent xmlns:mc="http://schemas.openxmlformats.org/markup-compatibility/2006">
-        <mc:Choice xmlns:a14="http://schemas.microsoft.com/office/drawing/2010/main" Requires="a14">
+      <mc:AlternateContent xmlns:mc="http://schemas.openxmlformats.org/markup-compatibility/2006" xmlns:a14="http://schemas.microsoft.com/office/drawing/2010/main">
+        <mc:Choice Requires="a14">
           <p:sp>
             <p:nvSpPr>
               <p:cNvPr id="78" name="テキスト ボックス 77">
@@ -12416,6 +14372,7 @@
               </a:bodyPr>
               <a:lstStyle/>
               <a:p>
+                <a:pPr/>
                 <a14:m>
                   <m:oMathPara xmlns:m="http://schemas.openxmlformats.org/officeDocument/2006/math">
                     <m:oMathParaPr>
@@ -12436,7 +14393,7 @@
             </p:txBody>
           </p:sp>
         </mc:Choice>
-        <mc:Fallback>
+        <mc:Fallback xmlns="">
           <p:sp>
             <p:nvSpPr>
               <p:cNvPr id="78" name="テキスト ボックス 77">
@@ -12522,8 +14479,8 @@
           </a:fontRef>
         </p:style>
       </p:cxnSp>
-      <mc:AlternateContent xmlns:mc="http://schemas.openxmlformats.org/markup-compatibility/2006">
-        <mc:Choice xmlns:a14="http://schemas.microsoft.com/office/drawing/2010/main" Requires="a14">
+      <mc:AlternateContent xmlns:mc="http://schemas.openxmlformats.org/markup-compatibility/2006" xmlns:a14="http://schemas.microsoft.com/office/drawing/2010/main">
+        <mc:Choice Requires="a14">
           <p:sp>
             <p:nvSpPr>
               <p:cNvPr id="81" name="テキスト ボックス 80">
@@ -12552,6 +14509,7 @@
               </a:bodyPr>
               <a:lstStyle/>
               <a:p>
+                <a:pPr/>
                 <a14:m>
                   <m:oMathPara xmlns:m="http://schemas.openxmlformats.org/officeDocument/2006/math">
                     <m:oMathParaPr>
@@ -12591,7 +14549,7 @@
             </p:txBody>
           </p:sp>
         </mc:Choice>
-        <mc:Fallback>
+        <mc:Fallback xmlns="">
           <p:sp>
             <p:nvSpPr>
               <p:cNvPr id="81" name="テキスト ボックス 80">
@@ -12729,8 +14687,8 @@
           </a:p>
         </p:txBody>
       </p:sp>
-      <mc:AlternateContent xmlns:mc="http://schemas.openxmlformats.org/markup-compatibility/2006">
-        <mc:Choice xmlns:a14="http://schemas.microsoft.com/office/drawing/2010/main" Requires="a14">
+      <mc:AlternateContent xmlns:mc="http://schemas.openxmlformats.org/markup-compatibility/2006" xmlns:a14="http://schemas.microsoft.com/office/drawing/2010/main">
+        <mc:Choice Requires="a14">
           <p:sp>
             <p:nvSpPr>
               <p:cNvPr id="96" name="テキスト ボックス 95">
@@ -12759,6 +14717,7 @@
               </a:bodyPr>
               <a:lstStyle/>
               <a:p>
+                <a:pPr/>
                 <a14:m>
                   <m:oMathPara xmlns:m="http://schemas.openxmlformats.org/officeDocument/2006/math">
                     <m:oMathParaPr>
@@ -12798,7 +14757,7 @@
             </p:txBody>
           </p:sp>
         </mc:Choice>
-        <mc:Fallback>
+        <mc:Fallback xmlns="">
           <p:sp>
             <p:nvSpPr>
               <p:cNvPr id="96" name="テキスト ボックス 95">
@@ -12843,8 +14802,8 @@
           </p:sp>
         </mc:Fallback>
       </mc:AlternateContent>
-      <mc:AlternateContent xmlns:mc="http://schemas.openxmlformats.org/markup-compatibility/2006">
-        <mc:Choice xmlns:a14="http://schemas.microsoft.com/office/drawing/2010/main" Requires="a14">
+      <mc:AlternateContent xmlns:mc="http://schemas.openxmlformats.org/markup-compatibility/2006" xmlns:a14="http://schemas.microsoft.com/office/drawing/2010/main">
+        <mc:Choice Requires="a14">
           <p:sp>
             <p:nvSpPr>
               <p:cNvPr id="101" name="テキスト ボックス 100">
@@ -12873,6 +14832,7 @@
               </a:bodyPr>
               <a:lstStyle/>
               <a:p>
+                <a:pPr/>
                 <a14:m>
                   <m:oMathPara xmlns:m="http://schemas.openxmlformats.org/officeDocument/2006/math">
                     <m:oMathParaPr>
@@ -12912,7 +14872,7 @@
             </p:txBody>
           </p:sp>
         </mc:Choice>
-        <mc:Fallback>
+        <mc:Fallback xmlns="">
           <p:sp>
             <p:nvSpPr>
               <p:cNvPr id="101" name="テキスト ボックス 100">
@@ -12957,8 +14917,8 @@
           </p:sp>
         </mc:Fallback>
       </mc:AlternateContent>
-      <mc:AlternateContent xmlns:mc="http://schemas.openxmlformats.org/markup-compatibility/2006">
-        <mc:Choice xmlns:a14="http://schemas.microsoft.com/office/drawing/2010/main" Requires="a14">
+      <mc:AlternateContent xmlns:mc="http://schemas.openxmlformats.org/markup-compatibility/2006" xmlns:a14="http://schemas.microsoft.com/office/drawing/2010/main">
+        <mc:Choice Requires="a14">
           <p:sp>
             <p:nvSpPr>
               <p:cNvPr id="2" name="テキスト ボックス 1">
@@ -12987,6 +14947,7 @@
               </a:bodyPr>
               <a:lstStyle/>
               <a:p>
+                <a:pPr/>
                 <a14:m>
                   <m:oMathPara xmlns:m="http://schemas.openxmlformats.org/officeDocument/2006/math">
                     <m:oMathParaPr>
@@ -13026,7 +14987,7 @@
             </p:txBody>
           </p:sp>
         </mc:Choice>
-        <mc:Fallback>
+        <mc:Fallback xmlns="">
           <p:sp>
             <p:nvSpPr>
               <p:cNvPr id="2" name="テキスト ボックス 1">
@@ -13162,7 +15123,7 @@
 </p:sld>
 </file>
 
-<file path=ppt/slides/slide6.xml><?xml version="1.0" encoding="utf-8"?>
+<file path=ppt/slides/slide7.xml><?xml version="1.0" encoding="utf-8"?>
 <p:sld xmlns:a="http://schemas.openxmlformats.org/drawingml/2006/main" xmlns:r="http://schemas.openxmlformats.org/officeDocument/2006/relationships" xmlns:p="http://schemas.openxmlformats.org/presentationml/2006/main">
   <p:cSld>
     <p:spTree>
@@ -14143,8 +16104,8 @@
           </a:fontRef>
         </p:style>
       </p:cxnSp>
-      <mc:AlternateContent xmlns:mc="http://schemas.openxmlformats.org/markup-compatibility/2006">
-        <mc:Choice xmlns:a14="http://schemas.microsoft.com/office/drawing/2010/main" Requires="a14">
+      <mc:AlternateContent xmlns:mc="http://schemas.openxmlformats.org/markup-compatibility/2006" xmlns:a14="http://schemas.microsoft.com/office/drawing/2010/main">
+        <mc:Choice Requires="a14">
           <p:sp>
             <p:nvSpPr>
               <p:cNvPr id="72" name="テキスト ボックス 71">
@@ -14173,6 +16134,7 @@
               </a:bodyPr>
               <a:lstStyle/>
               <a:p>
+                <a:pPr/>
                 <a14:m>
                   <m:oMathPara xmlns:m="http://schemas.openxmlformats.org/officeDocument/2006/math">
                     <m:oMathParaPr>
@@ -14212,7 +16174,7 @@
             </p:txBody>
           </p:sp>
         </mc:Choice>
-        <mc:Fallback>
+        <mc:Fallback xmlns="">
           <p:sp>
             <p:nvSpPr>
               <p:cNvPr id="72" name="テキスト ボックス 71">
@@ -14298,8 +16260,8 @@
           </a:fontRef>
         </p:style>
       </p:cxnSp>
-      <mc:AlternateContent xmlns:mc="http://schemas.openxmlformats.org/markup-compatibility/2006">
-        <mc:Choice xmlns:a14="http://schemas.microsoft.com/office/drawing/2010/main" Requires="a14">
+      <mc:AlternateContent xmlns:mc="http://schemas.openxmlformats.org/markup-compatibility/2006" xmlns:a14="http://schemas.microsoft.com/office/drawing/2010/main">
+        <mc:Choice Requires="a14">
           <p:sp>
             <p:nvSpPr>
               <p:cNvPr id="78" name="テキスト ボックス 77">
@@ -14328,6 +16290,7 @@
               </a:bodyPr>
               <a:lstStyle/>
               <a:p>
+                <a:pPr/>
                 <a14:m>
                   <m:oMathPara xmlns:m="http://schemas.openxmlformats.org/officeDocument/2006/math">
                     <m:oMathParaPr>
@@ -14348,7 +16311,7 @@
             </p:txBody>
           </p:sp>
         </mc:Choice>
-        <mc:Fallback>
+        <mc:Fallback xmlns="">
           <p:sp>
             <p:nvSpPr>
               <p:cNvPr id="78" name="テキスト ボックス 77">
@@ -14486,8 +16449,8 @@
           </a:p>
         </p:txBody>
       </p:sp>
-      <mc:AlternateContent xmlns:mc="http://schemas.openxmlformats.org/markup-compatibility/2006">
-        <mc:Choice xmlns:a14="http://schemas.microsoft.com/office/drawing/2010/main" Requires="a14">
+      <mc:AlternateContent xmlns:mc="http://schemas.openxmlformats.org/markup-compatibility/2006" xmlns:a14="http://schemas.microsoft.com/office/drawing/2010/main">
+        <mc:Choice Requires="a14">
           <p:sp>
             <p:nvSpPr>
               <p:cNvPr id="96" name="テキスト ボックス 95">
@@ -14516,6 +16479,7 @@
               </a:bodyPr>
               <a:lstStyle/>
               <a:p>
+                <a:pPr/>
                 <a14:m>
                   <m:oMathPara xmlns:m="http://schemas.openxmlformats.org/officeDocument/2006/math">
                     <m:oMathParaPr>
@@ -14555,7 +16519,7 @@
             </p:txBody>
           </p:sp>
         </mc:Choice>
-        <mc:Fallback>
+        <mc:Fallback xmlns="">
           <p:sp>
             <p:nvSpPr>
               <p:cNvPr id="96" name="テキスト ボックス 95">
@@ -14600,8 +16564,8 @@
           </p:sp>
         </mc:Fallback>
       </mc:AlternateContent>
-      <mc:AlternateContent xmlns:mc="http://schemas.openxmlformats.org/markup-compatibility/2006">
-        <mc:Choice xmlns:a14="http://schemas.microsoft.com/office/drawing/2010/main" Requires="a14">
+      <mc:AlternateContent xmlns:mc="http://schemas.openxmlformats.org/markup-compatibility/2006" xmlns:a14="http://schemas.microsoft.com/office/drawing/2010/main">
+        <mc:Choice Requires="a14">
           <p:sp>
             <p:nvSpPr>
               <p:cNvPr id="101" name="テキスト ボックス 100">
@@ -14630,6 +16594,7 @@
               </a:bodyPr>
               <a:lstStyle/>
               <a:p>
+                <a:pPr/>
                 <a14:m>
                   <m:oMathPara xmlns:m="http://schemas.openxmlformats.org/officeDocument/2006/math">
                     <m:oMathParaPr>
@@ -14669,7 +16634,7 @@
             </p:txBody>
           </p:sp>
         </mc:Choice>
-        <mc:Fallback>
+        <mc:Fallback xmlns="">
           <p:sp>
             <p:nvSpPr>
               <p:cNvPr id="101" name="テキスト ボックス 100">
@@ -14714,8 +16679,8 @@
           </p:sp>
         </mc:Fallback>
       </mc:AlternateContent>
-      <mc:AlternateContent xmlns:mc="http://schemas.openxmlformats.org/markup-compatibility/2006">
-        <mc:Choice xmlns:a14="http://schemas.microsoft.com/office/drawing/2010/main" Requires="a14">
+      <mc:AlternateContent xmlns:mc="http://schemas.openxmlformats.org/markup-compatibility/2006" xmlns:a14="http://schemas.microsoft.com/office/drawing/2010/main">
+        <mc:Choice Requires="a14">
           <p:sp>
             <p:nvSpPr>
               <p:cNvPr id="2" name="テキスト ボックス 1">
@@ -14744,6 +16709,7 @@
               </a:bodyPr>
               <a:lstStyle/>
               <a:p>
+                <a:pPr/>
                 <a14:m>
                   <m:oMathPara xmlns:m="http://schemas.openxmlformats.org/officeDocument/2006/math">
                     <m:oMathParaPr>
@@ -14783,7 +16749,7 @@
             </p:txBody>
           </p:sp>
         </mc:Choice>
-        <mc:Fallback>
+        <mc:Fallback xmlns="">
           <p:sp>
             <p:nvSpPr>
               <p:cNvPr id="2" name="テキスト ボックス 1">
@@ -15042,8 +17008,8 @@
           </a:p>
         </p:txBody>
       </p:sp>
-      <mc:AlternateContent xmlns:mc="http://schemas.openxmlformats.org/markup-compatibility/2006">
-        <mc:Choice xmlns:a14="http://schemas.microsoft.com/office/drawing/2010/main" Requires="a14">
+      <mc:AlternateContent xmlns:mc="http://schemas.openxmlformats.org/markup-compatibility/2006" xmlns:a14="http://schemas.microsoft.com/office/drawing/2010/main">
+        <mc:Choice Requires="a14">
           <p:sp>
             <p:nvSpPr>
               <p:cNvPr id="11" name="テキスト ボックス 10">
@@ -15072,6 +17038,7 @@
               </a:bodyPr>
               <a:lstStyle/>
               <a:p>
+                <a:pPr/>
                 <a14:m>
                   <m:oMathPara xmlns:m="http://schemas.openxmlformats.org/officeDocument/2006/math">
                     <m:oMathParaPr>
@@ -15111,7 +17078,7 @@
             </p:txBody>
           </p:sp>
         </mc:Choice>
-        <mc:Fallback>
+        <mc:Fallback xmlns="">
           <p:sp>
             <p:nvSpPr>
               <p:cNvPr id="11" name="テキスト ボックス 10">
@@ -15169,7 +17136,7 @@
 </p:sld>
 </file>
 
-<file path=ppt/slides/slide7.xml><?xml version="1.0" encoding="utf-8"?>
+<file path=ppt/slides/slide8.xml><?xml version="1.0" encoding="utf-8"?>
 <p:sld xmlns:a="http://schemas.openxmlformats.org/drawingml/2006/main" xmlns:r="http://schemas.openxmlformats.org/officeDocument/2006/relationships" xmlns:p="http://schemas.openxmlformats.org/presentationml/2006/main">
   <p:cSld>
     <p:spTree>
@@ -16068,8 +18035,8 @@
           </a:fontRef>
         </p:style>
       </p:cxnSp>
-      <mc:AlternateContent xmlns:mc="http://schemas.openxmlformats.org/markup-compatibility/2006">
-        <mc:Choice xmlns:a14="http://schemas.microsoft.com/office/drawing/2010/main" Requires="a14">
+      <mc:AlternateContent xmlns:mc="http://schemas.openxmlformats.org/markup-compatibility/2006" xmlns:a14="http://schemas.microsoft.com/office/drawing/2010/main">
+        <mc:Choice Requires="a14">
           <p:sp>
             <p:nvSpPr>
               <p:cNvPr id="72" name="テキスト ボックス 71">
@@ -16098,6 +18065,7 @@
               </a:bodyPr>
               <a:lstStyle/>
               <a:p>
+                <a:pPr/>
                 <a14:m>
                   <m:oMathPara xmlns:m="http://schemas.openxmlformats.org/officeDocument/2006/math">
                     <m:oMathParaPr>
@@ -16137,7 +18105,7 @@
             </p:txBody>
           </p:sp>
         </mc:Choice>
-        <mc:Fallback>
+        <mc:Fallback xmlns="">
           <p:sp>
             <p:nvSpPr>
               <p:cNvPr id="72" name="テキスト ボックス 71">
@@ -16223,8 +18191,8 @@
           </a:fontRef>
         </p:style>
       </p:cxnSp>
-      <mc:AlternateContent xmlns:mc="http://schemas.openxmlformats.org/markup-compatibility/2006">
-        <mc:Choice xmlns:a14="http://schemas.microsoft.com/office/drawing/2010/main" Requires="a14">
+      <mc:AlternateContent xmlns:mc="http://schemas.openxmlformats.org/markup-compatibility/2006" xmlns:a14="http://schemas.microsoft.com/office/drawing/2010/main">
+        <mc:Choice Requires="a14">
           <p:sp>
             <p:nvSpPr>
               <p:cNvPr id="78" name="テキスト ボックス 77">
@@ -16253,6 +18221,7 @@
               </a:bodyPr>
               <a:lstStyle/>
               <a:p>
+                <a:pPr/>
                 <a14:m>
                   <m:oMathPara xmlns:m="http://schemas.openxmlformats.org/officeDocument/2006/math">
                     <m:oMathParaPr>
@@ -16273,7 +18242,7 @@
             </p:txBody>
           </p:sp>
         </mc:Choice>
-        <mc:Fallback>
+        <mc:Fallback xmlns="">
           <p:sp>
             <p:nvSpPr>
               <p:cNvPr id="78" name="テキスト ボックス 77">
@@ -16357,8 +18326,8 @@
           </a:fontRef>
         </p:style>
       </p:cxnSp>
-      <mc:AlternateContent xmlns:mc="http://schemas.openxmlformats.org/markup-compatibility/2006">
-        <mc:Choice xmlns:a14="http://schemas.microsoft.com/office/drawing/2010/main" Requires="a14">
+      <mc:AlternateContent xmlns:mc="http://schemas.openxmlformats.org/markup-compatibility/2006" xmlns:a14="http://schemas.microsoft.com/office/drawing/2010/main">
+        <mc:Choice Requires="a14">
           <p:sp>
             <p:nvSpPr>
               <p:cNvPr id="96" name="テキスト ボックス 95">
@@ -16387,6 +18356,7 @@
               </a:bodyPr>
               <a:lstStyle/>
               <a:p>
+                <a:pPr/>
                 <a14:m>
                   <m:oMathPara xmlns:m="http://schemas.openxmlformats.org/officeDocument/2006/math">
                     <m:oMathParaPr>
@@ -16426,7 +18396,7 @@
             </p:txBody>
           </p:sp>
         </mc:Choice>
-        <mc:Fallback>
+        <mc:Fallback xmlns="">
           <p:sp>
             <p:nvSpPr>
               <p:cNvPr id="96" name="テキスト ボックス 95">
@@ -16549,8 +18519,8 @@
           </a:fontRef>
         </p:style>
       </p:cxnSp>
-      <mc:AlternateContent xmlns:mc="http://schemas.openxmlformats.org/markup-compatibility/2006">
-        <mc:Choice xmlns:a14="http://schemas.microsoft.com/office/drawing/2010/main" Requires="a14">
+      <mc:AlternateContent xmlns:mc="http://schemas.openxmlformats.org/markup-compatibility/2006" xmlns:a14="http://schemas.microsoft.com/office/drawing/2010/main">
+        <mc:Choice Requires="a14">
           <p:sp>
             <p:nvSpPr>
               <p:cNvPr id="19" name="テキスト ボックス 18">
@@ -16579,6 +18549,7 @@
               </a:bodyPr>
               <a:lstStyle/>
               <a:p>
+                <a:pPr/>
                 <a14:m>
                   <m:oMathPara xmlns:m="http://schemas.openxmlformats.org/officeDocument/2006/math">
                     <m:oMathParaPr>
@@ -16618,7 +18589,7 @@
             </p:txBody>
           </p:sp>
         </mc:Choice>
-        <mc:Fallback>
+        <mc:Fallback xmlns="">
           <p:sp>
             <p:nvSpPr>
               <p:cNvPr id="19" name="テキスト ボックス 18">
@@ -16757,8 +18728,8 @@
           </a:fontRef>
         </p:style>
       </p:cxnSp>
-      <mc:AlternateContent xmlns:mc="http://schemas.openxmlformats.org/markup-compatibility/2006">
-        <mc:Choice xmlns:a14="http://schemas.microsoft.com/office/drawing/2010/main" Requires="a14">
+      <mc:AlternateContent xmlns:mc="http://schemas.openxmlformats.org/markup-compatibility/2006" xmlns:a14="http://schemas.microsoft.com/office/drawing/2010/main">
+        <mc:Choice Requires="a14">
           <p:sp>
             <p:nvSpPr>
               <p:cNvPr id="12" name="テキスト ボックス 11">
@@ -16787,6 +18758,7 @@
               </a:bodyPr>
               <a:lstStyle/>
               <a:p>
+                <a:pPr/>
                 <a14:m>
                   <m:oMathPara xmlns:m="http://schemas.openxmlformats.org/officeDocument/2006/math">
                     <m:oMathParaPr>
@@ -16826,7 +18798,7 @@
             </p:txBody>
           </p:sp>
         </mc:Choice>
-        <mc:Fallback>
+        <mc:Fallback xmlns="">
           <p:sp>
             <p:nvSpPr>
               <p:cNvPr id="12" name="テキスト ボックス 11">
@@ -16871,8 +18843,8 @@
           </p:sp>
         </mc:Fallback>
       </mc:AlternateContent>
-      <mc:AlternateContent xmlns:mc="http://schemas.openxmlformats.org/markup-compatibility/2006">
-        <mc:Choice xmlns:a14="http://schemas.microsoft.com/office/drawing/2010/main" Requires="a14">
+      <mc:AlternateContent xmlns:mc="http://schemas.openxmlformats.org/markup-compatibility/2006" xmlns:a14="http://schemas.microsoft.com/office/drawing/2010/main">
+        <mc:Choice Requires="a14">
           <p:sp>
             <p:nvSpPr>
               <p:cNvPr id="2" name="テキスト ボックス 1">
@@ -16901,6 +18873,7 @@
               </a:bodyPr>
               <a:lstStyle/>
               <a:p>
+                <a:pPr/>
                 <a14:m>
                   <m:oMathPara xmlns:m="http://schemas.openxmlformats.org/officeDocument/2006/math">
                     <m:oMathParaPr>
@@ -16940,7 +18913,7 @@
             </p:txBody>
           </p:sp>
         </mc:Choice>
-        <mc:Fallback>
+        <mc:Fallback xmlns="">
           <p:sp>
             <p:nvSpPr>
               <p:cNvPr id="2" name="テキスト ボックス 1">
@@ -17158,8 +19131,8 @@
           </a:p>
         </p:txBody>
       </p:sp>
-      <mc:AlternateContent xmlns:mc="http://schemas.openxmlformats.org/markup-compatibility/2006">
-        <mc:Choice xmlns:a14="http://schemas.microsoft.com/office/drawing/2010/main" Requires="a14">
+      <mc:AlternateContent xmlns:mc="http://schemas.openxmlformats.org/markup-compatibility/2006" xmlns:a14="http://schemas.microsoft.com/office/drawing/2010/main">
+        <mc:Choice Requires="a14">
           <p:sp>
             <p:nvSpPr>
               <p:cNvPr id="15" name="テキスト ボックス 14">
@@ -17188,6 +19161,7 @@
               </a:bodyPr>
               <a:lstStyle/>
               <a:p>
+                <a:pPr/>
                 <a14:m>
                   <m:oMathPara xmlns:m="http://schemas.openxmlformats.org/officeDocument/2006/math">
                     <m:oMathParaPr>
@@ -17227,7 +19201,7 @@
             </p:txBody>
           </p:sp>
         </mc:Choice>
-        <mc:Fallback>
+        <mc:Fallback xmlns="">
           <p:sp>
             <p:nvSpPr>
               <p:cNvPr id="15" name="テキスト ボックス 14">
